--- a/Documentation/poster/poster2.pptx
+++ b/Documentation/poster/poster2.pptx
@@ -3296,7 +3296,7 @@
           <a:blip r:embed="rId2" cstate="print">
             <a:extLst>
               <a:ext uri="{28A0092B-C50C-407E-A947-70E740481C1C}">
-                <a14:useLocalDpi xmlns="" xmlns:a14="http://schemas.microsoft.com/office/drawing/2010/main" val="0"/>
+                <a14:useLocalDpi xmlns:a14="http://schemas.microsoft.com/office/drawing/2010/main" xmlns="" val="0"/>
               </a:ext>
             </a:extLst>
           </a:blip>
@@ -3378,7 +3378,7 @@
           <a:blip r:embed="rId3" cstate="print">
             <a:extLst>
               <a:ext uri="{28A0092B-C50C-407E-A947-70E740481C1C}">
-                <a14:useLocalDpi xmlns="" xmlns:a14="http://schemas.microsoft.com/office/drawing/2010/main" val="0"/>
+                <a14:useLocalDpi xmlns:a14="http://schemas.microsoft.com/office/drawing/2010/main" xmlns="" val="0"/>
               </a:ext>
             </a:extLst>
           </a:blip>
@@ -3675,7 +3675,7 @@
           <a:blip r:embed="rId4" cstate="print">
             <a:extLst>
               <a:ext uri="{28A0092B-C50C-407E-A947-70E740481C1C}">
-                <a14:useLocalDpi xmlns="" xmlns:a14="http://schemas.microsoft.com/office/drawing/2010/main" val="0"/>
+                <a14:useLocalDpi xmlns:a14="http://schemas.microsoft.com/office/drawing/2010/main" xmlns="" val="0"/>
               </a:ext>
             </a:extLst>
           </a:blip>
@@ -3778,7 +3778,7 @@
           <a:blip r:embed="rId5" cstate="print">
             <a:extLst>
               <a:ext uri="{28A0092B-C50C-407E-A947-70E740481C1C}">
-                <a14:useLocalDpi xmlns="" xmlns:a14="http://schemas.microsoft.com/office/drawing/2010/main" val="0"/>
+                <a14:useLocalDpi xmlns:a14="http://schemas.microsoft.com/office/drawing/2010/main" xmlns="" val="0"/>
               </a:ext>
             </a:extLst>
           </a:blip>
@@ -4085,25 +4085,7 @@
                 </a:solidFill>
                 <a:latin typeface="Calibri" panose="020F0502020204030204" pitchFamily="34" charset="0"/>
               </a:rPr>
-              <a:t>Interface with Sightline SLA-1500 to add </a:t>
-            </a:r>
-            <a:r>
-              <a:rPr lang="en-US" sz="3600" dirty="0" smtClean="0">
-                <a:solidFill>
-                  <a:schemeClr val="tx1"/>
-                </a:solidFill>
-                <a:latin typeface="Calibri" panose="020F0502020204030204" pitchFamily="34" charset="0"/>
-              </a:rPr>
-              <a:t>automatic </a:t>
-            </a:r>
-            <a:r>
-              <a:rPr lang="en-US" sz="3600" dirty="0" smtClean="0">
-                <a:solidFill>
-                  <a:schemeClr val="tx1"/>
-                </a:solidFill>
-                <a:latin typeface="Calibri" panose="020F0502020204030204" pitchFamily="34" charset="0"/>
-              </a:rPr>
-              <a:t>tracking</a:t>
+              <a:t>Interface with Sightline SLA-1500 to add automatic tracking</a:t>
             </a:r>
           </a:p>
           <a:p>
@@ -4290,7 +4272,7 @@
               <a:blip r:embed="rId6" cstate="print">
                 <a:extLst>
                   <a:ext uri="{28A0092B-C50C-407E-A947-70E740481C1C}">
-                    <a14:useLocalDpi xmlns="" xmlns:a14="http://schemas.microsoft.com/office/drawing/2010/main" val="0"/>
+                    <a14:useLocalDpi xmlns:a14="http://schemas.microsoft.com/office/drawing/2010/main" xmlns="" val="0"/>
                   </a:ext>
                 </a:extLst>
               </a:blip>
@@ -4488,7 +4470,7 @@
             <a:blip r:embed="rId7" cstate="print">
               <a:extLst>
                 <a:ext uri="{28A0092B-C50C-407E-A947-70E740481C1C}">
-                  <a14:useLocalDpi xmlns="" xmlns:a14="http://schemas.microsoft.com/office/drawing/2010/main" val="0"/>
+                  <a14:useLocalDpi xmlns:a14="http://schemas.microsoft.com/office/drawing/2010/main" xmlns="" val="0"/>
                 </a:ext>
               </a:extLst>
             </a:blip>
@@ -4508,7 +4490,7 @@
             <a:noFill/>
             <a:extLst>
               <a:ext uri="{909E8E84-426E-40DD-AFC4-6F175D3DCCD1}">
-                <a14:hiddenFill xmlns="" xmlns:a14="http://schemas.microsoft.com/office/drawing/2010/main">
+                <a14:hiddenFill xmlns:a14="http://schemas.microsoft.com/office/drawing/2010/main" xmlns="">
                   <a:solidFill>
                     <a:srgbClr val="FFFFFF"/>
                   </a:solidFill>
@@ -4684,7 +4666,7 @@
             <a:blip r:embed="rId8" cstate="print">
               <a:extLst>
                 <a:ext uri="{28A0092B-C50C-407E-A947-70E740481C1C}">
-                  <a14:useLocalDpi xmlns="" xmlns:a14="http://schemas.microsoft.com/office/drawing/2010/main" val="0"/>
+                  <a14:useLocalDpi xmlns:a14="http://schemas.microsoft.com/office/drawing/2010/main" xmlns="" val="0"/>
                 </a:ext>
               </a:extLst>
             </a:blip>
@@ -4709,7 +4691,7 @@
             </a:ln>
             <a:extLst>
               <a:ext uri="{909E8E84-426E-40DD-AFC4-6F175D3DCCD1}">
-                <a14:hiddenFill xmlns="" xmlns:a14="http://schemas.microsoft.com/office/drawing/2010/main">
+                <a14:hiddenFill xmlns:a14="http://schemas.microsoft.com/office/drawing/2010/main" xmlns="">
                   <a:solidFill>
                     <a:srgbClr val="FFFFFF"/>
                   </a:solidFill>
@@ -4737,7 +4719,7 @@
               </a:duotone>
               <a:extLst>
                 <a:ext uri="{BEBA8EAE-BF5A-486C-A8C5-ECC9F3942E4B}">
-                  <a14:imgProps xmlns="" xmlns:a14="http://schemas.microsoft.com/office/drawing/2010/main">
+                  <a14:imgProps xmlns:a14="http://schemas.microsoft.com/office/drawing/2010/main" xmlns="">
                     <a14:imgLayer r:embed="rId10">
                       <a14:imgEffect>
                         <a14:saturation sat="400000"/>
@@ -4746,7 +4728,7 @@
                   </a14:imgProps>
                 </a:ext>
                 <a:ext uri="{28A0092B-C50C-407E-A947-70E740481C1C}">
-                  <a14:useLocalDpi xmlns="" xmlns:a14="http://schemas.microsoft.com/office/drawing/2010/main" val="0"/>
+                  <a14:useLocalDpi xmlns:a14="http://schemas.microsoft.com/office/drawing/2010/main" xmlns="" val="0"/>
                 </a:ext>
               </a:extLst>
             </a:blip>
@@ -4766,7 +4748,7 @@
             <a:noFill/>
             <a:extLst>
               <a:ext uri="{909E8E84-426E-40DD-AFC4-6F175D3DCCD1}">
-                <a14:hiddenFill xmlns="" xmlns:a14="http://schemas.microsoft.com/office/drawing/2010/main">
+                <a14:hiddenFill xmlns:a14="http://schemas.microsoft.com/office/drawing/2010/main" xmlns="">
                   <a:solidFill>
                     <a:srgbClr val="FFFFFF"/>
                   </a:solidFill>
@@ -5029,7 +5011,7 @@
             <a:blip r:embed="rId11" cstate="print">
               <a:extLst>
                 <a:ext uri="{28A0092B-C50C-407E-A947-70E740481C1C}">
-                  <a14:useLocalDpi xmlns="" xmlns:a14="http://schemas.microsoft.com/office/drawing/2010/main" val="0"/>
+                  <a14:useLocalDpi xmlns:a14="http://schemas.microsoft.com/office/drawing/2010/main" xmlns="" val="0"/>
                 </a:ext>
               </a:extLst>
             </a:blip>
@@ -5049,7 +5031,7 @@
             <a:noFill/>
             <a:extLst>
               <a:ext uri="{909E8E84-426E-40DD-AFC4-6F175D3DCCD1}">
-                <a14:hiddenFill xmlns="" xmlns:a14="http://schemas.microsoft.com/office/drawing/2010/main">
+                <a14:hiddenFill xmlns:a14="http://schemas.microsoft.com/office/drawing/2010/main" xmlns="">
                   <a:solidFill>
                     <a:srgbClr val="FFFFFF"/>
                   </a:solidFill>
@@ -5109,7 +5091,7 @@
             <a:blip r:embed="rId12" cstate="print">
               <a:extLst>
                 <a:ext uri="{28A0092B-C50C-407E-A947-70E740481C1C}">
-                  <a14:useLocalDpi xmlns="" xmlns:a14="http://schemas.microsoft.com/office/drawing/2010/main" val="0"/>
+                  <a14:useLocalDpi xmlns:a14="http://schemas.microsoft.com/office/drawing/2010/main" xmlns="" val="0"/>
                 </a:ext>
               </a:extLst>
             </a:blip>
@@ -5129,7 +5111,7 @@
             <a:noFill/>
             <a:extLst>
               <a:ext uri="{909E8E84-426E-40DD-AFC4-6F175D3DCCD1}">
-                <a14:hiddenFill xmlns="" xmlns:a14="http://schemas.microsoft.com/office/drawing/2010/main">
+                <a14:hiddenFill xmlns:a14="http://schemas.microsoft.com/office/drawing/2010/main" xmlns="">
                   <a:solidFill>
                     <a:srgbClr val="FFFFFF"/>
                   </a:solidFill>
@@ -5866,7 +5848,7 @@
         </p:nvGrpSpPr>
         <p:grpSpPr>
           <a:xfrm>
-            <a:off x="29718000" y="25051558"/>
+            <a:off x="29718000" y="24841200"/>
             <a:ext cx="13258800" cy="7201840"/>
             <a:chOff x="29718000" y="24725960"/>
             <a:chExt cx="13258800" cy="7201840"/>
@@ -5984,6 +5966,37 @@
           </a:fontRef>
         </p:style>
       </p:cxnSp>
+      <p:pic>
+        <p:nvPicPr>
+          <p:cNvPr id="5" name="Picture 2" descr="http://psas.pdx.edu/rockettracks/GMD_running.jpg"/>
+          <p:cNvPicPr>
+            <a:picLocks noChangeAspect="1" noChangeArrowheads="1"/>
+          </p:cNvPicPr>
+          <p:nvPr/>
+        </p:nvPicPr>
+        <p:blipFill>
+          <a:blip r:embed="rId14" cstate="print"/>
+          <a:srcRect t="23366" b="25023"/>
+          <a:stretch>
+            <a:fillRect/>
+          </a:stretch>
+        </p:blipFill>
+        <p:spPr bwMode="auto">
+          <a:xfrm>
+            <a:off x="14709648" y="26974800"/>
+            <a:ext cx="14474952" cy="5001816"/>
+          </a:xfrm>
+          <a:prstGeom prst="roundRect">
+            <a:avLst/>
+          </a:prstGeom>
+          <a:noFill/>
+          <a:ln w="76200">
+            <a:solidFill>
+              <a:srgbClr val="6A7F10"/>
+            </a:solidFill>
+          </a:ln>
+        </p:spPr>
+      </p:pic>
     </p:spTree>
   </p:cSld>
   <p:clrMapOvr>

--- a/Documentation/poster/poster2.pptx
+++ b/Documentation/poster/poster2.pptx
@@ -219,7 +219,7 @@
             <a:fld id="{D9D26CB9-01E4-44B8-8084-BCC418CF4A2D}" type="datetimeFigureOut">
               <a:rPr lang="en-US" smtClean="0"/>
               <a:pPr/>
-              <a:t>5/25/2014</a:t>
+              <a:t>5/26/2014</a:t>
             </a:fld>
             <a:endParaRPr lang="en-US"/>
           </a:p>
@@ -447,7 +447,7 @@
             <a:fld id="{D9D26CB9-01E4-44B8-8084-BCC418CF4A2D}" type="datetimeFigureOut">
               <a:rPr lang="en-US" smtClean="0"/>
               <a:pPr/>
-              <a:t>5/25/2014</a:t>
+              <a:t>5/26/2014</a:t>
             </a:fld>
             <a:endParaRPr lang="en-US"/>
           </a:p>
@@ -624,7 +624,7 @@
             <a:fld id="{D9D26CB9-01E4-44B8-8084-BCC418CF4A2D}" type="datetimeFigureOut">
               <a:rPr lang="en-US" smtClean="0"/>
               <a:pPr/>
-              <a:t>5/25/2014</a:t>
+              <a:t>5/26/2014</a:t>
             </a:fld>
             <a:endParaRPr lang="en-US"/>
           </a:p>
@@ -791,7 +791,7 @@
             <a:fld id="{D9D26CB9-01E4-44B8-8084-BCC418CF4A2D}" type="datetimeFigureOut">
               <a:rPr lang="en-US" smtClean="0"/>
               <a:pPr/>
-              <a:t>5/25/2014</a:t>
+              <a:t>5/26/2014</a:t>
             </a:fld>
             <a:endParaRPr lang="en-US"/>
           </a:p>
@@ -1032,7 +1032,7 @@
             <a:fld id="{D9D26CB9-01E4-44B8-8084-BCC418CF4A2D}" type="datetimeFigureOut">
               <a:rPr lang="en-US" smtClean="0"/>
               <a:pPr/>
-              <a:t>5/25/2014</a:t>
+              <a:t>5/26/2014</a:t>
             </a:fld>
             <a:endParaRPr lang="en-US"/>
           </a:p>
@@ -1298,7 +1298,7 @@
             <a:fld id="{D9D26CB9-01E4-44B8-8084-BCC418CF4A2D}" type="datetimeFigureOut">
               <a:rPr lang="en-US" smtClean="0"/>
               <a:pPr/>
-              <a:t>5/25/2014</a:t>
+              <a:t>5/26/2014</a:t>
             </a:fld>
             <a:endParaRPr lang="en-US"/>
           </a:p>
@@ -1674,7 +1674,7 @@
             <a:fld id="{D9D26CB9-01E4-44B8-8084-BCC418CF4A2D}" type="datetimeFigureOut">
               <a:rPr lang="en-US" smtClean="0"/>
               <a:pPr/>
-              <a:t>5/25/2014</a:t>
+              <a:t>5/26/2014</a:t>
             </a:fld>
             <a:endParaRPr lang="en-US"/>
           </a:p>
@@ -1789,7 +1789,7 @@
             <a:fld id="{D9D26CB9-01E4-44B8-8084-BCC418CF4A2D}" type="datetimeFigureOut">
               <a:rPr lang="en-US" smtClean="0"/>
               <a:pPr/>
-              <a:t>5/25/2014</a:t>
+              <a:t>5/26/2014</a:t>
             </a:fld>
             <a:endParaRPr lang="en-US"/>
           </a:p>
@@ -1881,7 +1881,7 @@
             <a:fld id="{D9D26CB9-01E4-44B8-8084-BCC418CF4A2D}" type="datetimeFigureOut">
               <a:rPr lang="en-US" smtClean="0"/>
               <a:pPr/>
-              <a:t>5/25/2014</a:t>
+              <a:t>5/26/2014</a:t>
             </a:fld>
             <a:endParaRPr lang="en-US"/>
           </a:p>
@@ -2141,7 +2141,7 @@
             <a:fld id="{D9D26CB9-01E4-44B8-8084-BCC418CF4A2D}" type="datetimeFigureOut">
               <a:rPr lang="en-US" smtClean="0"/>
               <a:pPr/>
-              <a:t>5/25/2014</a:t>
+              <a:t>5/26/2014</a:t>
             </a:fld>
             <a:endParaRPr lang="en-US"/>
           </a:p>
@@ -2407,7 +2407,7 @@
             <a:fld id="{D9D26CB9-01E4-44B8-8084-BCC418CF4A2D}" type="datetimeFigureOut">
               <a:rPr lang="en-US" smtClean="0"/>
               <a:pPr/>
-              <a:t>5/25/2014</a:t>
+              <a:t>5/26/2014</a:t>
             </a:fld>
             <a:endParaRPr lang="en-US"/>
           </a:p>
@@ -2626,7 +2626,7 @@
             <a:fld id="{D9D26CB9-01E4-44B8-8084-BCC418CF4A2D}" type="datetimeFigureOut">
               <a:rPr lang="en-US" smtClean="0"/>
               <a:pPr/>
-              <a:t>5/25/2014</a:t>
+              <a:t>5/26/2014</a:t>
             </a:fld>
             <a:endParaRPr lang="en-US"/>
           </a:p>
@@ -3296,7 +3296,7 @@
           <a:blip r:embed="rId2" cstate="print">
             <a:extLst>
               <a:ext uri="{28A0092B-C50C-407E-A947-70E740481C1C}">
-                <a14:useLocalDpi xmlns:a14="http://schemas.microsoft.com/office/drawing/2010/main" xmlns="" val="0"/>
+                <a14:useLocalDpi xmlns="" xmlns:a14="http://schemas.microsoft.com/office/drawing/2010/main" val="0"/>
               </a:ext>
             </a:extLst>
           </a:blip>
@@ -3378,7 +3378,7 @@
           <a:blip r:embed="rId3" cstate="print">
             <a:extLst>
               <a:ext uri="{28A0092B-C50C-407E-A947-70E740481C1C}">
-                <a14:useLocalDpi xmlns:a14="http://schemas.microsoft.com/office/drawing/2010/main" xmlns="" val="0"/>
+                <a14:useLocalDpi xmlns="" xmlns:a14="http://schemas.microsoft.com/office/drawing/2010/main" val="0"/>
               </a:ext>
             </a:extLst>
           </a:blip>
@@ -3572,13 +3572,70 @@
           <a:p>
             <a:pPr algn="ctr"/>
             <a:r>
-              <a:rPr lang="en-US" sz="3600" dirty="0">
+              <a:rPr lang="en-US" sz="3600" b="1" dirty="0">
                 <a:solidFill>
                   <a:schemeClr val="tx1"/>
                 </a:solidFill>
                 <a:latin typeface="Calibri" panose="020F0502020204030204" pitchFamily="34" charset="0"/>
               </a:rPr>
-              <a:t>What good is a high tech rocket if you can’t track it? Current methods of tracking are limited by dependence on human eye</a:t>
+              <a:t>What good is a high tech rocket if you can’t track it</a:t>
+            </a:r>
+            <a:r>
+              <a:rPr lang="en-US" sz="3600" b="1" dirty="0" smtClean="0">
+                <a:solidFill>
+                  <a:schemeClr val="tx1"/>
+                </a:solidFill>
+                <a:latin typeface="Calibri" panose="020F0502020204030204" pitchFamily="34" charset="0"/>
+              </a:rPr>
+              <a:t>?</a:t>
+            </a:r>
+          </a:p>
+          <a:p>
+            <a:pPr algn="ctr"/>
+            <a:r>
+              <a:rPr lang="en-US" sz="3600" dirty="0" smtClean="0">
+                <a:solidFill>
+                  <a:schemeClr val="tx1"/>
+                </a:solidFill>
+                <a:latin typeface="Calibri" panose="020F0502020204030204" pitchFamily="34" charset="0"/>
+              </a:rPr>
+              <a:t>Current PSAS </a:t>
+            </a:r>
+            <a:r>
+              <a:rPr lang="en-US" sz="3600" dirty="0">
+                <a:solidFill>
+                  <a:schemeClr val="tx1"/>
+                </a:solidFill>
+                <a:latin typeface="Calibri" panose="020F0502020204030204" pitchFamily="34" charset="0"/>
+              </a:rPr>
+              <a:t>methods of tracking are limited </a:t>
+            </a:r>
+            <a:r>
+              <a:rPr lang="en-US" sz="3600" dirty="0" smtClean="0">
+                <a:solidFill>
+                  <a:schemeClr val="tx1"/>
+                </a:solidFill>
+                <a:latin typeface="Calibri" panose="020F0502020204030204" pitchFamily="34" charset="0"/>
+              </a:rPr>
+              <a:t>by</a:t>
+            </a:r>
+            <a:r>
+              <a:rPr lang="en-US" sz="3600" dirty="0" smtClean="0">
+                <a:solidFill>
+                  <a:schemeClr val="tx1"/>
+                </a:solidFill>
+                <a:latin typeface="Calibri" panose="020F0502020204030204" pitchFamily="34" charset="0"/>
+              </a:rPr>
+              <a:t> dependence </a:t>
+            </a:r>
+            <a:r>
+              <a:rPr lang="en-US" sz="3600" dirty="0">
+                <a:solidFill>
+                  <a:schemeClr val="tx1"/>
+                </a:solidFill>
+                <a:latin typeface="Calibri" panose="020F0502020204030204" pitchFamily="34" charset="0"/>
+              </a:rPr>
+              <a:t>on human eye</a:t>
             </a:r>
             <a:r>
               <a:rPr lang="en-US" sz="3600" dirty="0" smtClean="0">
@@ -3606,8 +3663,8 @@
         </p:nvSpPr>
         <p:spPr>
           <a:xfrm>
-            <a:off x="1175823" y="11201400"/>
-            <a:ext cx="7129977" cy="2667000"/>
+            <a:off x="1175822" y="11201400"/>
+            <a:ext cx="7342632" cy="2667000"/>
           </a:xfrm>
           <a:prstGeom prst="roundRect">
             <a:avLst/>
@@ -3646,13 +3703,61 @@
           <a:p>
             <a:pPr algn="ctr"/>
             <a:r>
-              <a:rPr lang="en-US" sz="3600" dirty="0" smtClean="0">
+              <a:rPr lang="en-US" sz="3600" b="1" dirty="0" smtClean="0">
                 <a:solidFill>
                   <a:schemeClr val="tx1"/>
                 </a:solidFill>
                 <a:latin typeface="Calibri" panose="020F0502020204030204" pitchFamily="34" charset="0"/>
               </a:rPr>
-              <a:t>Rockets move fast. Keeping antennas and cameras pointed at them is hard.</a:t>
+              <a:t>Rockets move fast. </a:t>
+            </a:r>
+          </a:p>
+          <a:p>
+            <a:pPr algn="ctr"/>
+            <a:r>
+              <a:rPr lang="en-US" sz="3600" dirty="0" smtClean="0">
+                <a:solidFill>
+                  <a:schemeClr val="tx1"/>
+                </a:solidFill>
+                <a:latin typeface="Calibri" panose="020F0502020204030204" pitchFamily="34" charset="0"/>
+              </a:rPr>
+              <a:t>Keeping </a:t>
+            </a:r>
+            <a:r>
+              <a:rPr lang="en-US" sz="3600" dirty="0" smtClean="0">
+                <a:solidFill>
+                  <a:schemeClr val="tx1"/>
+                </a:solidFill>
+                <a:latin typeface="Calibri" panose="020F0502020204030204" pitchFamily="34" charset="0"/>
+              </a:rPr>
+              <a:t>antennas and cameras pointed at </a:t>
+            </a:r>
+            <a:r>
+              <a:rPr lang="en-US" sz="3600" dirty="0" smtClean="0">
+                <a:solidFill>
+                  <a:schemeClr val="tx1"/>
+                </a:solidFill>
+                <a:latin typeface="Calibri" panose="020F0502020204030204" pitchFamily="34" charset="0"/>
+              </a:rPr>
+              <a:t>them during flight </a:t>
+            </a:r>
+            <a:r>
+              <a:rPr lang="en-US" sz="3600" dirty="0" smtClean="0">
+                <a:solidFill>
+                  <a:schemeClr val="tx1"/>
+                </a:solidFill>
+                <a:latin typeface="Calibri" panose="020F0502020204030204" pitchFamily="34" charset="0"/>
+              </a:rPr>
+              <a:t>is </a:t>
+            </a:r>
+            <a:r>
+              <a:rPr lang="en-US" sz="3600" dirty="0" smtClean="0">
+                <a:solidFill>
+                  <a:schemeClr val="tx1"/>
+                </a:solidFill>
+                <a:latin typeface="Calibri" panose="020F0502020204030204" pitchFamily="34" charset="0"/>
+              </a:rPr>
+              <a:t>a challenge.</a:t>
             </a:r>
             <a:endParaRPr lang="en-US" sz="3600" dirty="0">
               <a:solidFill>
@@ -3675,7 +3780,7 @@
           <a:blip r:embed="rId4" cstate="print">
             <a:extLst>
               <a:ext uri="{28A0092B-C50C-407E-A947-70E740481C1C}">
-                <a14:useLocalDpi xmlns:a14="http://schemas.microsoft.com/office/drawing/2010/main" xmlns="" val="0"/>
+                <a14:useLocalDpi xmlns="" xmlns:a14="http://schemas.microsoft.com/office/drawing/2010/main" val="0"/>
               </a:ext>
             </a:extLst>
           </a:blip>
@@ -3715,8 +3820,8 @@
         </p:nvSpPr>
         <p:spPr>
           <a:xfrm>
-            <a:off x="6400800" y="14173200"/>
-            <a:ext cx="7453661" cy="2971800"/>
+            <a:off x="6449568" y="14173200"/>
+            <a:ext cx="7342632" cy="2971800"/>
           </a:xfrm>
           <a:prstGeom prst="roundRect">
             <a:avLst/>
@@ -3761,7 +3866,25 @@
                 </a:solidFill>
                 <a:latin typeface="Calibri" panose="020F0502020204030204" pitchFamily="34" charset="0"/>
               </a:rPr>
-              <a:t>RocketTracks was originally conceptualized in 2011 as a mechanical structure that uses a manual control box.</a:t>
+              <a:t>RocketTracks was originally conceptualized in 2011 as a mechanical structure </a:t>
+            </a:r>
+            <a:r>
+              <a:rPr lang="en-US" sz="3600" dirty="0" smtClean="0">
+                <a:solidFill>
+                  <a:schemeClr val="tx1"/>
+                </a:solidFill>
+                <a:latin typeface="Calibri" panose="020F0502020204030204" pitchFamily="34" charset="0"/>
+              </a:rPr>
+              <a:t>controlled by a </a:t>
+            </a:r>
+            <a:r>
+              <a:rPr lang="en-US" sz="3600" dirty="0">
+                <a:solidFill>
+                  <a:schemeClr val="tx1"/>
+                </a:solidFill>
+                <a:latin typeface="Calibri" panose="020F0502020204030204" pitchFamily="34" charset="0"/>
+              </a:rPr>
+              <a:t>manual control box.</a:t>
             </a:r>
           </a:p>
         </p:txBody>
@@ -3778,7 +3901,7 @@
           <a:blip r:embed="rId5" cstate="print">
             <a:extLst>
               <a:ext uri="{28A0092B-C50C-407E-A947-70E740481C1C}">
-                <a14:useLocalDpi xmlns:a14="http://schemas.microsoft.com/office/drawing/2010/main" xmlns="" val="0"/>
+                <a14:useLocalDpi xmlns="" xmlns:a14="http://schemas.microsoft.com/office/drawing/2010/main" val="0"/>
               </a:ext>
             </a:extLst>
           </a:blip>
@@ -3819,7 +3942,7 @@
         <p:spPr>
           <a:xfrm>
             <a:off x="6477000" y="17373600"/>
-            <a:ext cx="7391400" cy="3260185"/>
+            <a:ext cx="7342632" cy="3260185"/>
           </a:xfrm>
           <a:prstGeom prst="roundRect">
             <a:avLst/>
@@ -3966,7 +4089,25 @@
                 </a:solidFill>
                 <a:latin typeface="Calibri" panose="020F0502020204030204" pitchFamily="34" charset="0"/>
               </a:rPr>
-              <a:t>Eliminate room for human error by adding automatic tracking capabilities to the existing RocketTracks system.</a:t>
+              <a:t>Eliminate </a:t>
+            </a:r>
+            <a:r>
+              <a:rPr lang="en-US" sz="3600" dirty="0" smtClean="0">
+                <a:solidFill>
+                  <a:schemeClr val="tx1"/>
+                </a:solidFill>
+                <a:latin typeface="Calibri" panose="020F0502020204030204" pitchFamily="34" charset="0"/>
+              </a:rPr>
+              <a:t>human </a:t>
+            </a:r>
+            <a:r>
+              <a:rPr lang="en-US" sz="3600" dirty="0" smtClean="0">
+                <a:solidFill>
+                  <a:schemeClr val="tx1"/>
+                </a:solidFill>
+                <a:latin typeface="Calibri" panose="020F0502020204030204" pitchFamily="34" charset="0"/>
+              </a:rPr>
+              <a:t>error by adding automatic tracking capabilities to the existing RocketTracks system.</a:t>
             </a:r>
           </a:p>
         </p:txBody>
@@ -4020,7 +4161,7 @@
         </p:nvSpPr>
         <p:spPr>
           <a:xfrm>
-            <a:off x="914400" y="25782312"/>
+            <a:off x="914400" y="25862280"/>
             <a:ext cx="13258800" cy="6217920"/>
           </a:xfrm>
           <a:prstGeom prst="roundRect">
@@ -4070,8 +4211,68 @@
                 </a:solidFill>
                 <a:latin typeface="Calibri" panose="020F0502020204030204" pitchFamily="34" charset="0"/>
               </a:rPr>
-              <a:t>Redo manual controller to improve its control loop and interface via Ethernet</a:t>
-            </a:r>
+              <a:t>Create </a:t>
+            </a:r>
+            <a:r>
+              <a:rPr lang="en-US" sz="3600" dirty="0" err="1" smtClean="0">
+                <a:solidFill>
+                  <a:schemeClr val="tx1"/>
+                </a:solidFill>
+                <a:latin typeface="Calibri" panose="020F0502020204030204" pitchFamily="34" charset="0"/>
+              </a:rPr>
+              <a:t>RocketTracks</a:t>
+            </a:r>
+            <a:r>
+              <a:rPr lang="en-US" sz="3600" dirty="0" smtClean="0">
+                <a:solidFill>
+                  <a:schemeClr val="tx1"/>
+                </a:solidFill>
+                <a:latin typeface="Calibri" panose="020F0502020204030204" pitchFamily="34" charset="0"/>
+              </a:rPr>
+              <a:t> </a:t>
+            </a:r>
+            <a:r>
+              <a:rPr lang="en-US" sz="3600" dirty="0" smtClean="0">
+                <a:solidFill>
+                  <a:schemeClr val="tx1"/>
+                </a:solidFill>
+                <a:latin typeface="Calibri" panose="020F0502020204030204" pitchFamily="34" charset="0"/>
+              </a:rPr>
+              <a:t>controller board to interface mechanical system </a:t>
+            </a:r>
+            <a:r>
+              <a:rPr lang="en-US" sz="3600" dirty="0" smtClean="0">
+                <a:solidFill>
+                  <a:schemeClr val="tx1"/>
+                </a:solidFill>
+                <a:latin typeface="Calibri" panose="020F0502020204030204" pitchFamily="34" charset="0"/>
+              </a:rPr>
+              <a:t>with automatic and manual </a:t>
+            </a:r>
+            <a:r>
+              <a:rPr lang="en-US" sz="3600" dirty="0" smtClean="0">
+                <a:solidFill>
+                  <a:schemeClr val="tx1"/>
+                </a:solidFill>
+                <a:latin typeface="Calibri" panose="020F0502020204030204" pitchFamily="34" charset="0"/>
+              </a:rPr>
+              <a:t>control </a:t>
+            </a:r>
+            <a:r>
+              <a:rPr lang="en-US" sz="3600" dirty="0" smtClean="0">
+                <a:solidFill>
+                  <a:schemeClr val="tx1"/>
+                </a:solidFill>
+                <a:latin typeface="Calibri" panose="020F0502020204030204" pitchFamily="34" charset="0"/>
+              </a:rPr>
+              <a:t>boards</a:t>
+            </a:r>
+            <a:endParaRPr lang="en-US" sz="3600" dirty="0" smtClean="0">
+              <a:solidFill>
+                <a:schemeClr val="tx1"/>
+              </a:solidFill>
+              <a:latin typeface="Calibri" panose="020F0502020204030204" pitchFamily="34" charset="0"/>
+            </a:endParaRPr>
           </a:p>
           <a:p>
             <a:pPr marL="571500" indent="-571500">
@@ -4085,7 +4286,25 @@
                 </a:solidFill>
                 <a:latin typeface="Calibri" panose="020F0502020204030204" pitchFamily="34" charset="0"/>
               </a:rPr>
-              <a:t>Interface with Sightline SLA-1500 to add automatic tracking</a:t>
+              <a:t>Implement Ethernet for communication between different blocks of </a:t>
+            </a:r>
+            <a:r>
+              <a:rPr lang="en-US" sz="3600" dirty="0" err="1" smtClean="0">
+                <a:solidFill>
+                  <a:schemeClr val="tx1"/>
+                </a:solidFill>
+                <a:latin typeface="Calibri" panose="020F0502020204030204" pitchFamily="34" charset="0"/>
+              </a:rPr>
+              <a:t>RocketTracks</a:t>
+            </a:r>
+            <a:r>
+              <a:rPr lang="en-US" sz="3600" dirty="0" smtClean="0">
+                <a:solidFill>
+                  <a:schemeClr val="tx1"/>
+                </a:solidFill>
+                <a:latin typeface="Calibri" panose="020F0502020204030204" pitchFamily="34" charset="0"/>
+              </a:rPr>
+              <a:t> system </a:t>
             </a:r>
           </a:p>
           <a:p>
@@ -4100,7 +4319,16 @@
                 </a:solidFill>
                 <a:latin typeface="Calibri" panose="020F0502020204030204" pitchFamily="34" charset="0"/>
               </a:rPr>
-              <a:t>Create RTx controller board to interface between the mechanical system and the two control boards</a:t>
+              <a:t>Interface </a:t>
+            </a:r>
+            <a:r>
+              <a:rPr lang="en-US" sz="3600" dirty="0" smtClean="0">
+                <a:solidFill>
+                  <a:schemeClr val="tx1"/>
+                </a:solidFill>
+                <a:latin typeface="Calibri" panose="020F0502020204030204" pitchFamily="34" charset="0"/>
+              </a:rPr>
+              <a:t>with Sightline SLA-1500 to add automatic tracking</a:t>
             </a:r>
           </a:p>
           <a:p>
@@ -4115,7 +4343,16 @@
                 </a:solidFill>
                 <a:latin typeface="Calibri" panose="020F0502020204030204" pitchFamily="34" charset="0"/>
               </a:rPr>
-              <a:t>Implement Ethernet for communication between different blocks of RocketTracks system </a:t>
+              <a:t>Improve control loop for manual controller </a:t>
+            </a:r>
+            <a:r>
+              <a:rPr lang="en-US" sz="3600" dirty="0" smtClean="0">
+                <a:solidFill>
+                  <a:schemeClr val="tx1"/>
+                </a:solidFill>
+                <a:latin typeface="Calibri" panose="020F0502020204030204" pitchFamily="34" charset="0"/>
+              </a:rPr>
+              <a:t>and interface via Ethernet</a:t>
             </a:r>
           </a:p>
           <a:p>
@@ -4130,7 +4367,52 @@
                 </a:solidFill>
                 <a:latin typeface="Calibri" panose="020F0502020204030204" pitchFamily="34" charset="0"/>
               </a:rPr>
-              <a:t>Preform FMEA analysis and safety protocols to protect from injury or damage to system</a:t>
+              <a:t>Create safety protocols and perform </a:t>
+            </a:r>
+            <a:r>
+              <a:rPr lang="en-US" sz="3600" dirty="0" smtClean="0">
+                <a:solidFill>
+                  <a:schemeClr val="tx1"/>
+                </a:solidFill>
+                <a:latin typeface="Calibri" panose="020F0502020204030204" pitchFamily="34" charset="0"/>
+              </a:rPr>
+              <a:t>FMEA </a:t>
+            </a:r>
+            <a:r>
+              <a:rPr lang="en-US" sz="3600" dirty="0" smtClean="0">
+                <a:solidFill>
+                  <a:schemeClr val="tx1"/>
+                </a:solidFill>
+                <a:latin typeface="Calibri" panose="020F0502020204030204" pitchFamily="34" charset="0"/>
+              </a:rPr>
+              <a:t>analysis to </a:t>
+            </a:r>
+            <a:r>
+              <a:rPr lang="en-US" sz="3600" dirty="0" smtClean="0">
+                <a:solidFill>
+                  <a:schemeClr val="tx1"/>
+                </a:solidFill>
+                <a:latin typeface="Calibri" panose="020F0502020204030204" pitchFamily="34" charset="0"/>
+              </a:rPr>
+              <a:t>protect from </a:t>
+            </a:r>
+            <a:r>
+              <a:rPr lang="en-US" sz="3600" dirty="0" smtClean="0">
+                <a:solidFill>
+                  <a:schemeClr val="tx1"/>
+                </a:solidFill>
+                <a:latin typeface="Calibri" panose="020F0502020204030204" pitchFamily="34" charset="0"/>
+              </a:rPr>
+              <a:t>personal injury </a:t>
+            </a:r>
+            <a:r>
+              <a:rPr lang="en-US" sz="3600" dirty="0" smtClean="0">
+                <a:solidFill>
+                  <a:schemeClr val="tx1"/>
+                </a:solidFill>
+                <a:latin typeface="Calibri" panose="020F0502020204030204" pitchFamily="34" charset="0"/>
+              </a:rPr>
+              <a:t>or damage to system</a:t>
             </a:r>
           </a:p>
         </p:txBody>
@@ -4272,7 +4554,7 @@
               <a:blip r:embed="rId6" cstate="print">
                 <a:extLst>
                   <a:ext uri="{28A0092B-C50C-407E-A947-70E740481C1C}">
-                    <a14:useLocalDpi xmlns:a14="http://schemas.microsoft.com/office/drawing/2010/main" xmlns="" val="0"/>
+                    <a14:useLocalDpi xmlns="" xmlns:a14="http://schemas.microsoft.com/office/drawing/2010/main" val="0"/>
                   </a:ext>
                 </a:extLst>
               </a:blip>
@@ -4470,7 +4752,7 @@
             <a:blip r:embed="rId7" cstate="print">
               <a:extLst>
                 <a:ext uri="{28A0092B-C50C-407E-A947-70E740481C1C}">
-                  <a14:useLocalDpi xmlns:a14="http://schemas.microsoft.com/office/drawing/2010/main" xmlns="" val="0"/>
+                  <a14:useLocalDpi xmlns="" xmlns:a14="http://schemas.microsoft.com/office/drawing/2010/main" val="0"/>
                 </a:ext>
               </a:extLst>
             </a:blip>
@@ -4490,7 +4772,7 @@
             <a:noFill/>
             <a:extLst>
               <a:ext uri="{909E8E84-426E-40DD-AFC4-6F175D3DCCD1}">
-                <a14:hiddenFill xmlns:a14="http://schemas.microsoft.com/office/drawing/2010/main" xmlns="">
+                <a14:hiddenFill xmlns="" xmlns:a14="http://schemas.microsoft.com/office/drawing/2010/main">
                   <a:solidFill>
                     <a:srgbClr val="FFFFFF"/>
                   </a:solidFill>
@@ -4666,7 +4948,7 @@
             <a:blip r:embed="rId8" cstate="print">
               <a:extLst>
                 <a:ext uri="{28A0092B-C50C-407E-A947-70E740481C1C}">
-                  <a14:useLocalDpi xmlns:a14="http://schemas.microsoft.com/office/drawing/2010/main" xmlns="" val="0"/>
+                  <a14:useLocalDpi xmlns="" xmlns:a14="http://schemas.microsoft.com/office/drawing/2010/main" val="0"/>
                 </a:ext>
               </a:extLst>
             </a:blip>
@@ -4691,7 +4973,7 @@
             </a:ln>
             <a:extLst>
               <a:ext uri="{909E8E84-426E-40DD-AFC4-6F175D3DCCD1}">
-                <a14:hiddenFill xmlns:a14="http://schemas.microsoft.com/office/drawing/2010/main" xmlns="">
+                <a14:hiddenFill xmlns="" xmlns:a14="http://schemas.microsoft.com/office/drawing/2010/main">
                   <a:solidFill>
                     <a:srgbClr val="FFFFFF"/>
                   </a:solidFill>
@@ -4719,7 +5001,7 @@
               </a:duotone>
               <a:extLst>
                 <a:ext uri="{BEBA8EAE-BF5A-486C-A8C5-ECC9F3942E4B}">
-                  <a14:imgProps xmlns:a14="http://schemas.microsoft.com/office/drawing/2010/main" xmlns="">
+                  <a14:imgProps xmlns="" xmlns:a14="http://schemas.microsoft.com/office/drawing/2010/main">
                     <a14:imgLayer r:embed="rId10">
                       <a14:imgEffect>
                         <a14:saturation sat="400000"/>
@@ -4728,7 +5010,7 @@
                   </a14:imgProps>
                 </a:ext>
                 <a:ext uri="{28A0092B-C50C-407E-A947-70E740481C1C}">
-                  <a14:useLocalDpi xmlns:a14="http://schemas.microsoft.com/office/drawing/2010/main" xmlns="" val="0"/>
+                  <a14:useLocalDpi xmlns="" xmlns:a14="http://schemas.microsoft.com/office/drawing/2010/main" val="0"/>
                 </a:ext>
               </a:extLst>
             </a:blip>
@@ -4748,7 +5030,7 @@
             <a:noFill/>
             <a:extLst>
               <a:ext uri="{909E8E84-426E-40DD-AFC4-6F175D3DCCD1}">
-                <a14:hiddenFill xmlns:a14="http://schemas.microsoft.com/office/drawing/2010/main" xmlns="">
+                <a14:hiddenFill xmlns="" xmlns:a14="http://schemas.microsoft.com/office/drawing/2010/main">
                   <a:solidFill>
                     <a:srgbClr val="FFFFFF"/>
                   </a:solidFill>
@@ -5011,7 +5293,7 @@
             <a:blip r:embed="rId11" cstate="print">
               <a:extLst>
                 <a:ext uri="{28A0092B-C50C-407E-A947-70E740481C1C}">
-                  <a14:useLocalDpi xmlns:a14="http://schemas.microsoft.com/office/drawing/2010/main" xmlns="" val="0"/>
+                  <a14:useLocalDpi xmlns="" xmlns:a14="http://schemas.microsoft.com/office/drawing/2010/main" val="0"/>
                 </a:ext>
               </a:extLst>
             </a:blip>
@@ -5031,7 +5313,7 @@
             <a:noFill/>
             <a:extLst>
               <a:ext uri="{909E8E84-426E-40DD-AFC4-6F175D3DCCD1}">
-                <a14:hiddenFill xmlns:a14="http://schemas.microsoft.com/office/drawing/2010/main" xmlns="">
+                <a14:hiddenFill xmlns="" xmlns:a14="http://schemas.microsoft.com/office/drawing/2010/main">
                   <a:solidFill>
                     <a:srgbClr val="FFFFFF"/>
                   </a:solidFill>
@@ -5091,7 +5373,7 @@
             <a:blip r:embed="rId12" cstate="print">
               <a:extLst>
                 <a:ext uri="{28A0092B-C50C-407E-A947-70E740481C1C}">
-                  <a14:useLocalDpi xmlns:a14="http://schemas.microsoft.com/office/drawing/2010/main" xmlns="" val="0"/>
+                  <a14:useLocalDpi xmlns="" xmlns:a14="http://schemas.microsoft.com/office/drawing/2010/main" val="0"/>
                 </a:ext>
               </a:extLst>
             </a:blip>
@@ -5111,7 +5393,7 @@
             <a:noFill/>
             <a:extLst>
               <a:ext uri="{909E8E84-426E-40DD-AFC4-6F175D3DCCD1}">
-                <a14:hiddenFill xmlns:a14="http://schemas.microsoft.com/office/drawing/2010/main" xmlns="">
+                <a14:hiddenFill xmlns="" xmlns:a14="http://schemas.microsoft.com/office/drawing/2010/main">
                   <a:solidFill>
                     <a:srgbClr val="FFFFFF"/>
                   </a:solidFill>
@@ -5269,10 +5551,10 @@
         </p:nvGrpSpPr>
         <p:grpSpPr>
           <a:xfrm>
-            <a:off x="30061374" y="7189155"/>
-            <a:ext cx="12282579" cy="14041678"/>
-            <a:chOff x="31038078" y="16476084"/>
-            <a:chExt cx="11507043" cy="14041678"/>
+            <a:off x="30142711" y="7162800"/>
+            <a:ext cx="12453090" cy="14554200"/>
+            <a:chOff x="31114281" y="16449729"/>
+            <a:chExt cx="11666788" cy="14554200"/>
           </a:xfrm>
         </p:grpSpPr>
         <p:sp>
@@ -5283,8 +5565,8 @@
           </p:nvSpPr>
           <p:spPr>
             <a:xfrm>
-              <a:off x="34461276" y="16476084"/>
-              <a:ext cx="4480559" cy="1547195"/>
+              <a:off x="34731077" y="16449729"/>
+              <a:ext cx="4480560" cy="1547195"/>
             </a:xfrm>
             <a:prstGeom prst="roundRect">
               <a:avLst/>
@@ -5323,7 +5605,7 @@
             <a:p>
               <a:pPr algn="ctr"/>
               <a:r>
-                <a:rPr lang="en-US" sz="3600" dirty="0" smtClean="0">
+                <a:rPr lang="en-US" sz="3600" b="1" dirty="0" smtClean="0">
                   <a:solidFill>
                     <a:schemeClr val="tx1"/>
                   </a:solidFill>
@@ -5331,7 +5613,7 @@
                 </a:rPr>
                 <a:t>User selects mode</a:t>
               </a:r>
-              <a:endParaRPr lang="en-US" sz="3600" dirty="0">
+              <a:endParaRPr lang="en-US" sz="3600" b="1" dirty="0">
                 <a:solidFill>
                   <a:schemeClr val="tx1"/>
                 </a:solidFill>
@@ -5348,8 +5630,8 @@
           </p:nvSpPr>
           <p:spPr>
             <a:xfrm>
-              <a:off x="31114279" y="19156939"/>
-              <a:ext cx="5381626" cy="3770402"/>
+              <a:off x="31114281" y="19322347"/>
+              <a:ext cx="5568315" cy="6309360"/>
             </a:xfrm>
             <a:prstGeom prst="roundRect">
               <a:avLst/>
@@ -5415,7 +5697,52 @@
                   </a:solidFill>
                   <a:latin typeface="Calibri" panose="020F0502020204030204" pitchFamily="34" charset="0"/>
                 </a:rPr>
-                <a:t>User can adjust the position RocketTracks points by turning two nobs corresponding to the two axis</a:t>
+                <a:t>User can adjust the </a:t>
+              </a:r>
+              <a:r>
+                <a:rPr lang="en-US" sz="3600" dirty="0" smtClean="0">
+                  <a:solidFill>
+                    <a:schemeClr val="tx1"/>
+                  </a:solidFill>
+                  <a:latin typeface="Calibri" panose="020F0502020204030204" pitchFamily="34" charset="0"/>
+                </a:rPr>
+                <a:t>direction that </a:t>
+              </a:r>
+              <a:r>
+                <a:rPr lang="en-US" sz="3600" dirty="0" smtClean="0">
+                  <a:solidFill>
+                    <a:schemeClr val="tx1"/>
+                  </a:solidFill>
+                  <a:latin typeface="Calibri" panose="020F0502020204030204" pitchFamily="34" charset="0"/>
+                </a:rPr>
+                <a:t>RocketTracks points by turning two nobs corresponding </a:t>
+              </a:r>
+              <a:r>
+                <a:rPr lang="en-US" sz="3600" dirty="0" smtClean="0">
+                  <a:solidFill>
+                    <a:schemeClr val="tx1"/>
+                  </a:solidFill>
+                  <a:latin typeface="Calibri" panose="020F0502020204030204" pitchFamily="34" charset="0"/>
+                </a:rPr>
+                <a:t>to the </a:t>
+              </a:r>
+              <a:r>
+                <a:rPr lang="en-US" sz="3600" dirty="0" smtClean="0">
+                  <a:solidFill>
+                    <a:schemeClr val="tx1"/>
+                  </a:solidFill>
+                  <a:latin typeface="Calibri" panose="020F0502020204030204" pitchFamily="34" charset="0"/>
+                </a:rPr>
+                <a:t>horizontal and vertical a</a:t>
+              </a:r>
+              <a:r>
+                <a:rPr lang="en-US" sz="3600" dirty="0" smtClean="0">
+                  <a:solidFill>
+                    <a:schemeClr val="tx1"/>
+                  </a:solidFill>
+                  <a:latin typeface="Calibri" panose="020F0502020204030204" pitchFamily="34" charset="0"/>
+                </a:rPr>
+                <a:t>xes</a:t>
               </a:r>
               <a:endParaRPr lang="en-US" sz="3600" dirty="0">
                 <a:solidFill>
@@ -5434,8 +5761,8 @@
           </p:nvSpPr>
           <p:spPr>
             <a:xfrm>
-              <a:off x="37831383" y="19103721"/>
-              <a:ext cx="4713738" cy="7388662"/>
+              <a:off x="37212755" y="19269129"/>
+              <a:ext cx="5568314" cy="6309360"/>
             </a:xfrm>
             <a:prstGeom prst="roundRect">
               <a:avLst/>
@@ -5510,8 +5837,41 @@
                   </a:solidFill>
                   <a:latin typeface="Calibri" panose="020F0502020204030204" pitchFamily="34" charset="0"/>
                 </a:rPr>
-                <a:t> Camera provides feedback to Sightline as to position of rocket.</a:t>
+                <a:t> Camera provides feedback to </a:t>
               </a:r>
+              <a:r>
+                <a:rPr lang="en-US" sz="3600" dirty="0" smtClean="0">
+                  <a:solidFill>
+                    <a:schemeClr val="tx1"/>
+                  </a:solidFill>
+                  <a:latin typeface="Calibri" panose="020F0502020204030204" pitchFamily="34" charset="0"/>
+                </a:rPr>
+                <a:t>Sightline® as </a:t>
+              </a:r>
+              <a:r>
+                <a:rPr lang="en-US" sz="3600" dirty="0" smtClean="0">
+                  <a:solidFill>
+                    <a:schemeClr val="tx1"/>
+                  </a:solidFill>
+                  <a:latin typeface="Calibri" panose="020F0502020204030204" pitchFamily="34" charset="0"/>
+                </a:rPr>
+                <a:t>to position of </a:t>
+              </a:r>
+              <a:r>
+                <a:rPr lang="en-US" sz="3600" dirty="0" smtClean="0">
+                  <a:solidFill>
+                    <a:schemeClr val="tx1"/>
+                  </a:solidFill>
+                  <a:latin typeface="Calibri" panose="020F0502020204030204" pitchFamily="34" charset="0"/>
+                </a:rPr>
+                <a:t>the object.</a:t>
+              </a:r>
+              <a:endParaRPr lang="en-US" sz="3600" dirty="0" smtClean="0">
+                <a:solidFill>
+                  <a:schemeClr val="tx1"/>
+                </a:solidFill>
+                <a:latin typeface="Calibri" panose="020F0502020204030204" pitchFamily="34" charset="0"/>
+              </a:endParaRPr>
             </a:p>
             <a:p>
               <a:pPr marL="571500" indent="-571500" algn="ctr">
@@ -5525,7 +5885,25 @@
                   </a:solidFill>
                   <a:latin typeface="Calibri" panose="020F0502020204030204" pitchFamily="34" charset="0"/>
                 </a:rPr>
-                <a:t>RTx Controller adjusts position accordingly </a:t>
+                <a:t>RTx Controller adjusts </a:t>
+              </a:r>
+              <a:r>
+                <a:rPr lang="en-US" sz="3600" dirty="0" smtClean="0">
+                  <a:solidFill>
+                    <a:schemeClr val="tx1"/>
+                  </a:solidFill>
+                  <a:latin typeface="Calibri" panose="020F0502020204030204" pitchFamily="34" charset="0"/>
+                </a:rPr>
+                <a:t>mechanical position </a:t>
+              </a:r>
+              <a:r>
+                <a:rPr lang="en-US" sz="3600" dirty="0" smtClean="0">
+                  <a:solidFill>
+                    <a:schemeClr val="tx1"/>
+                  </a:solidFill>
+                  <a:latin typeface="Calibri" panose="020F0502020204030204" pitchFamily="34" charset="0"/>
+                </a:rPr>
+                <a:t>accordingly </a:t>
               </a:r>
               <a:endParaRPr lang="en-US" sz="3600" dirty="0">
                 <a:solidFill>
@@ -5544,8 +5922,8 @@
           </p:nvCxnSpPr>
           <p:spPr>
             <a:xfrm flipH="1">
-              <a:off x="35197858" y="18017608"/>
-              <a:ext cx="549380" cy="1139331"/>
+              <a:off x="34856929" y="17973729"/>
+              <a:ext cx="890312" cy="1295400"/>
             </a:xfrm>
             <a:prstGeom prst="straightConnector1">
               <a:avLst/>
@@ -5577,8 +5955,8 @@
           </p:nvCxnSpPr>
           <p:spPr>
             <a:xfrm>
-              <a:off x="37471319" y="18017608"/>
-              <a:ext cx="720129" cy="1139331"/>
+              <a:off x="38205953" y="17977397"/>
+              <a:ext cx="890930" cy="1298448"/>
             </a:xfrm>
             <a:prstGeom prst="straightConnector1">
               <a:avLst/>
@@ -5610,8 +5988,8 @@
           </p:nvSpPr>
           <p:spPr>
             <a:xfrm>
-              <a:off x="31038078" y="23684449"/>
-              <a:ext cx="5782479" cy="6833313"/>
+              <a:off x="32786658" y="26889129"/>
+              <a:ext cx="8852192" cy="4114800"/>
             </a:xfrm>
             <a:prstGeom prst="roundRect">
               <a:avLst/>
@@ -5656,8 +6034,23 @@
                   </a:solidFill>
                   <a:latin typeface="Calibri" panose="020F0502020204030204" pitchFamily="34" charset="0"/>
                 </a:rPr>
-                <a:t>Emergency Stop:</a:t>
+                <a:t>Emergency </a:t>
               </a:r>
+              <a:r>
+                <a:rPr lang="en-US" sz="3600" b="1" dirty="0" smtClean="0">
+                  <a:solidFill>
+                    <a:schemeClr val="tx1"/>
+                  </a:solidFill>
+                  <a:latin typeface="Calibri" panose="020F0502020204030204" pitchFamily="34" charset="0"/>
+                </a:rPr>
+                <a:t>Stop</a:t>
+              </a:r>
+              <a:endParaRPr lang="en-US" sz="3600" b="1" dirty="0" smtClean="0">
+                <a:solidFill>
+                  <a:schemeClr val="tx1"/>
+                </a:solidFill>
+                <a:latin typeface="Calibri" panose="020F0502020204030204" pitchFamily="34" charset="0"/>
+              </a:endParaRPr>
             </a:p>
             <a:p>
               <a:pPr algn="ctr"/>
@@ -5718,74 +6111,6 @@
             </a:p>
           </p:txBody>
         </p:sp>
-        <p:cxnSp>
-          <p:nvCxnSpPr>
-            <p:cNvPr id="132" name="Straight Arrow Connector 131"/>
-            <p:cNvCxnSpPr>
-              <a:endCxn id="115" idx="2"/>
-            </p:cNvCxnSpPr>
-            <p:nvPr/>
-          </p:nvCxnSpPr>
-          <p:spPr>
-            <a:xfrm flipV="1">
-              <a:off x="33805092" y="22927341"/>
-              <a:ext cx="1" cy="757107"/>
-            </a:xfrm>
-            <a:prstGeom prst="straightConnector1">
-              <a:avLst/>
-            </a:prstGeom>
-            <a:ln w="127000">
-              <a:tailEnd type="triangle"/>
-            </a:ln>
-          </p:spPr>
-          <p:style>
-            <a:lnRef idx="1">
-              <a:schemeClr val="accent1"/>
-            </a:lnRef>
-            <a:fillRef idx="0">
-              <a:schemeClr val="accent1"/>
-            </a:fillRef>
-            <a:effectRef idx="0">
-              <a:schemeClr val="accent1"/>
-            </a:effectRef>
-            <a:fontRef idx="minor">
-              <a:schemeClr val="tx1"/>
-            </a:fontRef>
-          </p:style>
-        </p:cxnSp>
-        <p:cxnSp>
-          <p:nvCxnSpPr>
-            <p:cNvPr id="135" name="Straight Arrow Connector 134"/>
-            <p:cNvCxnSpPr/>
-            <p:nvPr/>
-          </p:nvCxnSpPr>
-          <p:spPr>
-            <a:xfrm>
-              <a:off x="36820557" y="25235981"/>
-              <a:ext cx="1056380" cy="1"/>
-            </a:xfrm>
-            <a:prstGeom prst="straightConnector1">
-              <a:avLst/>
-            </a:prstGeom>
-            <a:ln w="127000">
-              <a:tailEnd type="triangle"/>
-            </a:ln>
-          </p:spPr>
-          <p:style>
-            <a:lnRef idx="1">
-              <a:schemeClr val="accent1"/>
-            </a:lnRef>
-            <a:fillRef idx="0">
-              <a:schemeClr val="accent1"/>
-            </a:fillRef>
-            <a:effectRef idx="0">
-              <a:schemeClr val="accent1"/>
-            </a:effectRef>
-            <a:fontRef idx="minor">
-              <a:schemeClr val="tx1"/>
-            </a:fontRef>
-          </p:style>
-        </p:cxnSp>
       </p:grpSp>
       <p:sp>
         <p:nvSpPr>
@@ -5848,7 +6173,7 @@
         </p:nvGrpSpPr>
         <p:grpSpPr>
           <a:xfrm>
-            <a:off x="29718000" y="24841200"/>
+            <a:off x="29718000" y="24878360"/>
             <a:ext cx="13258800" cy="7201840"/>
             <a:chOff x="29718000" y="24725960"/>
             <a:chExt cx="13258800" cy="7201840"/>
@@ -5968,7 +6293,7 @@
       </p:cxnSp>
       <p:pic>
         <p:nvPicPr>
-          <p:cNvPr id="5" name="Picture 2" descr="http://psas.pdx.edu/rockettracks/GMD_running.jpg"/>
+          <p:cNvPr id="5" name="Picture 2" descr="RTx controller board"/>
           <p:cNvPicPr>
             <a:picLocks noChangeAspect="1" noChangeArrowheads="1"/>
           </p:cNvPicPr>
@@ -5976,27 +6301,93 @@
         </p:nvPicPr>
         <p:blipFill>
           <a:blip r:embed="rId14" cstate="print"/>
-          <a:srcRect t="23366" b="25023"/>
+          <a:srcRect t="25899" b="20781"/>
           <a:stretch>
             <a:fillRect/>
           </a:stretch>
         </p:blipFill>
         <p:spPr bwMode="auto">
           <a:xfrm>
-            <a:off x="14709648" y="26974800"/>
-            <a:ext cx="14474952" cy="5001816"/>
+            <a:off x="14785848" y="26858592"/>
+            <a:ext cx="14474952" cy="5145408"/>
           </a:xfrm>
           <a:prstGeom prst="roundRect">
             <a:avLst/>
           </a:prstGeom>
           <a:noFill/>
-          <a:ln w="76200">
+          <a:ln w="101600">
             <a:solidFill>
               <a:srgbClr val="6A7F10"/>
             </a:solidFill>
           </a:ln>
         </p:spPr>
       </p:pic>
+      <p:cxnSp>
+        <p:nvCxnSpPr>
+          <p:cNvPr id="71" name="Straight Arrow Connector 70"/>
+          <p:cNvCxnSpPr/>
+          <p:nvPr/>
+        </p:nvCxnSpPr>
+        <p:spPr>
+          <a:xfrm flipH="1" flipV="1">
+            <a:off x="34442400" y="16306800"/>
+            <a:ext cx="950316" cy="1295400"/>
+          </a:xfrm>
+          <a:prstGeom prst="straightConnector1">
+            <a:avLst/>
+          </a:prstGeom>
+          <a:ln w="127000">
+            <a:tailEnd type="triangle"/>
+          </a:ln>
+        </p:spPr>
+        <p:style>
+          <a:lnRef idx="1">
+            <a:schemeClr val="accent1"/>
+          </a:lnRef>
+          <a:fillRef idx="0">
+            <a:schemeClr val="accent1"/>
+          </a:fillRef>
+          <a:effectRef idx="0">
+            <a:schemeClr val="accent1"/>
+          </a:effectRef>
+          <a:fontRef idx="minor">
+            <a:schemeClr val="tx1"/>
+          </a:fontRef>
+        </p:style>
+      </p:cxnSp>
+      <p:cxnSp>
+        <p:nvCxnSpPr>
+          <p:cNvPr id="72" name="Straight Arrow Connector 71"/>
+          <p:cNvCxnSpPr/>
+          <p:nvPr/>
+        </p:nvCxnSpPr>
+        <p:spPr>
+          <a:xfrm flipV="1">
+            <a:off x="38017137" y="16306800"/>
+            <a:ext cx="950976" cy="1298448"/>
+          </a:xfrm>
+          <a:prstGeom prst="straightConnector1">
+            <a:avLst/>
+          </a:prstGeom>
+          <a:ln w="127000">
+            <a:tailEnd type="triangle"/>
+          </a:ln>
+        </p:spPr>
+        <p:style>
+          <a:lnRef idx="1">
+            <a:schemeClr val="accent1"/>
+          </a:lnRef>
+          <a:fillRef idx="0">
+            <a:schemeClr val="accent1"/>
+          </a:fillRef>
+          <a:effectRef idx="0">
+            <a:schemeClr val="accent1"/>
+          </a:effectRef>
+          <a:fontRef idx="minor">
+            <a:schemeClr val="tx1"/>
+          </a:fontRef>
+        </p:style>
+      </p:cxnSp>
     </p:spTree>
   </p:cSld>
   <p:clrMapOvr>

--- a/Documentation/poster/poster2.pptx
+++ b/Documentation/poster/poster2.pptx
@@ -219,7 +219,7 @@
             <a:fld id="{D9D26CB9-01E4-44B8-8084-BCC418CF4A2D}" type="datetimeFigureOut">
               <a:rPr lang="en-US" smtClean="0"/>
               <a:pPr/>
-              <a:t>5/26/2014</a:t>
+              <a:t>5/28/2014</a:t>
             </a:fld>
             <a:endParaRPr lang="en-US"/>
           </a:p>
@@ -447,7 +447,7 @@
             <a:fld id="{D9D26CB9-01E4-44B8-8084-BCC418CF4A2D}" type="datetimeFigureOut">
               <a:rPr lang="en-US" smtClean="0"/>
               <a:pPr/>
-              <a:t>5/26/2014</a:t>
+              <a:t>5/28/2014</a:t>
             </a:fld>
             <a:endParaRPr lang="en-US"/>
           </a:p>
@@ -624,7 +624,7 @@
             <a:fld id="{D9D26CB9-01E4-44B8-8084-BCC418CF4A2D}" type="datetimeFigureOut">
               <a:rPr lang="en-US" smtClean="0"/>
               <a:pPr/>
-              <a:t>5/26/2014</a:t>
+              <a:t>5/28/2014</a:t>
             </a:fld>
             <a:endParaRPr lang="en-US"/>
           </a:p>
@@ -791,7 +791,7 @@
             <a:fld id="{D9D26CB9-01E4-44B8-8084-BCC418CF4A2D}" type="datetimeFigureOut">
               <a:rPr lang="en-US" smtClean="0"/>
               <a:pPr/>
-              <a:t>5/26/2014</a:t>
+              <a:t>5/28/2014</a:t>
             </a:fld>
             <a:endParaRPr lang="en-US"/>
           </a:p>
@@ -1032,7 +1032,7 @@
             <a:fld id="{D9D26CB9-01E4-44B8-8084-BCC418CF4A2D}" type="datetimeFigureOut">
               <a:rPr lang="en-US" smtClean="0"/>
               <a:pPr/>
-              <a:t>5/26/2014</a:t>
+              <a:t>5/28/2014</a:t>
             </a:fld>
             <a:endParaRPr lang="en-US"/>
           </a:p>
@@ -1298,7 +1298,7 @@
             <a:fld id="{D9D26CB9-01E4-44B8-8084-BCC418CF4A2D}" type="datetimeFigureOut">
               <a:rPr lang="en-US" smtClean="0"/>
               <a:pPr/>
-              <a:t>5/26/2014</a:t>
+              <a:t>5/28/2014</a:t>
             </a:fld>
             <a:endParaRPr lang="en-US"/>
           </a:p>
@@ -1674,7 +1674,7 @@
             <a:fld id="{D9D26CB9-01E4-44B8-8084-BCC418CF4A2D}" type="datetimeFigureOut">
               <a:rPr lang="en-US" smtClean="0"/>
               <a:pPr/>
-              <a:t>5/26/2014</a:t>
+              <a:t>5/28/2014</a:t>
             </a:fld>
             <a:endParaRPr lang="en-US"/>
           </a:p>
@@ -1789,7 +1789,7 @@
             <a:fld id="{D9D26CB9-01E4-44B8-8084-BCC418CF4A2D}" type="datetimeFigureOut">
               <a:rPr lang="en-US" smtClean="0"/>
               <a:pPr/>
-              <a:t>5/26/2014</a:t>
+              <a:t>5/28/2014</a:t>
             </a:fld>
             <a:endParaRPr lang="en-US"/>
           </a:p>
@@ -1881,7 +1881,7 @@
             <a:fld id="{D9D26CB9-01E4-44B8-8084-BCC418CF4A2D}" type="datetimeFigureOut">
               <a:rPr lang="en-US" smtClean="0"/>
               <a:pPr/>
-              <a:t>5/26/2014</a:t>
+              <a:t>5/28/2014</a:t>
             </a:fld>
             <a:endParaRPr lang="en-US"/>
           </a:p>
@@ -2141,7 +2141,7 @@
             <a:fld id="{D9D26CB9-01E4-44B8-8084-BCC418CF4A2D}" type="datetimeFigureOut">
               <a:rPr lang="en-US" smtClean="0"/>
               <a:pPr/>
-              <a:t>5/26/2014</a:t>
+              <a:t>5/28/2014</a:t>
             </a:fld>
             <a:endParaRPr lang="en-US"/>
           </a:p>
@@ -2407,7 +2407,7 @@
             <a:fld id="{D9D26CB9-01E4-44B8-8084-BCC418CF4A2D}" type="datetimeFigureOut">
               <a:rPr lang="en-US" smtClean="0"/>
               <a:pPr/>
-              <a:t>5/26/2014</a:t>
+              <a:t>5/28/2014</a:t>
             </a:fld>
             <a:endParaRPr lang="en-US"/>
           </a:p>
@@ -2626,7 +2626,7 @@
             <a:fld id="{D9D26CB9-01E4-44B8-8084-BCC418CF4A2D}" type="datetimeFigureOut">
               <a:rPr lang="en-US" smtClean="0"/>
               <a:pPr/>
-              <a:t>5/26/2014</a:t>
+              <a:t>5/28/2014</a:t>
             </a:fld>
             <a:endParaRPr lang="en-US"/>
           </a:p>
@@ -3057,32 +3057,68 @@
           <a:chExt cx="0" cy="0"/>
         </a:xfrm>
       </p:grpSpPr>
-      <p:sp>
-        <p:nvSpPr>
-          <p:cNvPr id="109" name="Rounded Rectangle 108"/>
+      <p:cxnSp>
+        <p:nvCxnSpPr>
+          <p:cNvPr id="13" name="Straight Connector 12"/>
+          <p:cNvCxnSpPr/>
+          <p:nvPr/>
+        </p:nvCxnSpPr>
+        <p:spPr>
+          <a:xfrm flipH="1" flipV="1">
+            <a:off x="19122330" y="8839149"/>
+            <a:ext cx="1299270" cy="1531200"/>
+          </a:xfrm>
+          <a:prstGeom prst="line">
+            <a:avLst/>
+          </a:prstGeom>
+          <a:ln w="85725">
+            <a:solidFill>
+              <a:schemeClr val="tx1">
+                <a:lumMod val="95000"/>
+                <a:lumOff val="5000"/>
+              </a:schemeClr>
+            </a:solidFill>
+            <a:prstDash val="sysDash"/>
+          </a:ln>
+        </p:spPr>
+        <p:style>
+          <a:lnRef idx="1">
+            <a:schemeClr val="accent1"/>
+          </a:lnRef>
+          <a:fillRef idx="0">
+            <a:schemeClr val="accent1"/>
+          </a:fillRef>
+          <a:effectRef idx="0">
+            <a:schemeClr val="accent1"/>
+          </a:effectRef>
+          <a:fontRef idx="minor">
+            <a:schemeClr val="tx1"/>
+          </a:fontRef>
+        </p:style>
+      </p:cxnSp>
+      <p:sp>
+        <p:nvSpPr>
+          <p:cNvPr id="45" name="Rectangle 44"/>
           <p:cNvSpPr/>
           <p:nvPr/>
         </p:nvSpPr>
         <p:spPr>
           <a:xfrm>
-            <a:off x="914399" y="6858000"/>
-            <a:ext cx="13258800" cy="14173200"/>
-          </a:xfrm>
-          <a:prstGeom prst="roundRect">
-            <a:avLst>
-              <a:gd name="adj" fmla="val 3945"/>
-            </a:avLst>
+            <a:off x="22070999" y="19659600"/>
+            <a:ext cx="4624898" cy="2425558"/>
+          </a:xfrm>
+          <a:prstGeom prst="rect">
+            <a:avLst/>
           </a:prstGeom>
-          <a:solidFill>
-            <a:srgbClr val="E3F39F"/>
-          </a:solidFill>
-          <a:ln w="76200" cap="sq">
+          <a:noFill/>
+          <a:ln w="95250">
             <a:solidFill>
-              <a:srgbClr val="6A7F10"/>
+              <a:schemeClr val="tx1">
+                <a:lumMod val="95000"/>
+                <a:lumOff val="5000"/>
+              </a:schemeClr>
             </a:solidFill>
-            <a:miter lim="800000"/>
           </a:ln>
-          <a:effectLst/>
         </p:spPr>
         <p:style>
           <a:lnRef idx="2">
@@ -3101,264 +3137,11 @@
           </a:fontRef>
         </p:style>
         <p:txBody>
-          <a:bodyPr lIns="457200" rIns="457200" rtlCol="0" anchor="ctr"/>
+          <a:bodyPr rtlCol="0" anchor="ctr"/>
           <a:lstStyle/>
           <a:p>
             <a:pPr algn="ctr"/>
-            <a:endParaRPr lang="en-US" sz="3600" dirty="0">
-              <a:solidFill>
-                <a:schemeClr val="tx1"/>
-              </a:solidFill>
-              <a:latin typeface="Calibri" panose="020F0502020204030204" pitchFamily="34" charset="0"/>
-            </a:endParaRPr>
-          </a:p>
-        </p:txBody>
-      </p:sp>
-      <p:sp>
-        <p:nvSpPr>
-          <p:cNvPr id="20" name="Title 1"/>
-          <p:cNvSpPr>
-            <a:spLocks noGrp="1"/>
-          </p:cNvSpPr>
-          <p:nvPr>
-            <p:ph type="ctrTitle"/>
-          </p:nvPr>
-        </p:nvSpPr>
-        <p:spPr>
-          <a:xfrm>
-            <a:off x="13716000" y="457200"/>
-            <a:ext cx="17068800" cy="3046988"/>
-          </a:xfrm>
-          <a:noFill/>
-          <a:ln>
-            <a:noFill/>
-          </a:ln>
-        </p:spPr>
-        <p:txBody>
-          <a:bodyPr wrap="square" lIns="91440" tIns="45720" rIns="91440" bIns="45720" anchor="b">
-            <a:spAutoFit/>
-          </a:bodyPr>
-          <a:lstStyle/>
-          <a:p>
-            <a:pPr algn="ctr"/>
-            <a:r>
-              <a:rPr lang="en-US" sz="19200" cap="none" dirty="0" smtClean="0">
-                <a:ln>
-                  <a:noFill/>
-                </a:ln>
-                <a:solidFill>
-                  <a:srgbClr val="6A7F10"/>
-                </a:solidFill>
-                <a:effectLst/>
-                <a:latin typeface="+mn-lt"/>
-              </a:rPr>
-              <a:t>RocketTracks</a:t>
-            </a:r>
-            <a:endParaRPr lang="en-US" sz="19200" cap="none" dirty="0">
-              <a:ln w="18415" cmpd="sng">
-                <a:solidFill>
-                  <a:srgbClr val="FFFFFF"/>
-                </a:solidFill>
-                <a:prstDash val="solid"/>
-              </a:ln>
-              <a:solidFill>
-                <a:srgbClr val="6A7F10"/>
-              </a:solidFill>
-              <a:effectLst>
-                <a:outerShdw blurRad="63500" dir="3600000" algn="tl" rotWithShape="0">
-                  <a:srgbClr val="000000">
-                    <a:alpha val="70000"/>
-                  </a:srgbClr>
-                </a:outerShdw>
-              </a:effectLst>
-              <a:latin typeface="+mn-lt"/>
-            </a:endParaRPr>
-          </a:p>
-        </p:txBody>
-      </p:sp>
-      <p:sp>
-        <p:nvSpPr>
-          <p:cNvPr id="26" name="Subtitle 2"/>
-          <p:cNvSpPr>
-            <a:spLocks noGrp="1"/>
-          </p:cNvSpPr>
-          <p:nvPr>
-            <p:ph type="subTitle" idx="1"/>
-          </p:nvPr>
-        </p:nvSpPr>
-        <p:spPr>
-          <a:xfrm>
-            <a:off x="15011399" y="3506701"/>
-            <a:ext cx="14630401" cy="2055899"/>
-          </a:xfrm>
-          <a:noFill/>
-        </p:spPr>
-        <p:txBody>
-          <a:bodyPr wrap="square" lIns="91397" tIns="45696" rIns="91397" bIns="45696" rtlCol="0">
-            <a:spAutoFit/>
-          </a:bodyPr>
-          <a:lstStyle/>
-          <a:p>
-            <a:pPr defTabSz="4386106"/>
-            <a:r>
-              <a:rPr lang="en-US" sz="5800" b="1" dirty="0">
-                <a:latin typeface="Calibri" pitchFamily="34" charset="0"/>
-              </a:rPr>
-              <a:t>Rob Gaskell, Robin Davis, Robert Corkran</a:t>
-            </a:r>
-          </a:p>
-          <a:p>
-            <a:pPr defTabSz="4386106"/>
-            <a:endParaRPr lang="en-US" sz="5800" b="1" dirty="0">
-              <a:latin typeface="Calibri" pitchFamily="34" charset="0"/>
-            </a:endParaRPr>
-          </a:p>
-        </p:txBody>
-      </p:sp>
-      <p:sp>
-        <p:nvSpPr>
-          <p:cNvPr id="29" name="TextBox 28"/>
-          <p:cNvSpPr txBox="1"/>
-          <p:nvPr/>
-        </p:nvSpPr>
-        <p:spPr>
-          <a:xfrm>
-            <a:off x="34471403" y="3931920"/>
-            <a:ext cx="8505398" cy="1015661"/>
-          </a:xfrm>
-          <a:prstGeom prst="rect">
-            <a:avLst/>
-          </a:prstGeom>
-          <a:noFill/>
-        </p:spPr>
-        <p:txBody>
-          <a:bodyPr wrap="square" lIns="91397" tIns="45696" rIns="91397" bIns="45696" rtlCol="0">
-            <a:spAutoFit/>
-          </a:bodyPr>
-          <a:lstStyle/>
-          <a:p>
-            <a:pPr algn="r"/>
-            <a:r>
-              <a:rPr lang="en-US" sz="5800" dirty="0" smtClean="0">
-                <a:latin typeface="Calibri" pitchFamily="34" charset="0"/>
-              </a:rPr>
-              <a:t>Advisor</a:t>
-            </a:r>
-            <a:r>
-              <a:rPr lang="en-US" sz="5800" dirty="0">
-                <a:latin typeface="Calibri" pitchFamily="34" charset="0"/>
-              </a:rPr>
-              <a:t>: Malgorzata Jeske</a:t>
-            </a:r>
-          </a:p>
-        </p:txBody>
-      </p:sp>
-      <p:sp>
-        <p:nvSpPr>
-          <p:cNvPr id="30" name="TextBox 29"/>
-          <p:cNvSpPr txBox="1"/>
-          <p:nvPr/>
-        </p:nvSpPr>
-        <p:spPr>
-          <a:xfrm>
-            <a:off x="914401" y="3931920"/>
-            <a:ext cx="10698480" cy="1015661"/>
-          </a:xfrm>
-          <a:prstGeom prst="rect">
-            <a:avLst/>
-          </a:prstGeom>
-          <a:noFill/>
-        </p:spPr>
-        <p:txBody>
-          <a:bodyPr wrap="square" lIns="91397" tIns="45696" rIns="91397" bIns="45696" rtlCol="0">
-            <a:spAutoFit/>
-          </a:bodyPr>
-          <a:lstStyle/>
-          <a:p>
-            <a:r>
-              <a:rPr lang="en-US" sz="5800" dirty="0">
-                <a:latin typeface="Calibri" pitchFamily="34" charset="0"/>
-              </a:rPr>
-              <a:t>Sponsor: Andrew Greenberg</a:t>
-            </a:r>
-          </a:p>
-        </p:txBody>
-      </p:sp>
-      <p:pic>
-        <p:nvPicPr>
-          <p:cNvPr id="2" name="Picture 1"/>
-          <p:cNvPicPr>
-            <a:picLocks noChangeAspect="1"/>
-          </p:cNvPicPr>
-          <p:nvPr/>
-        </p:nvPicPr>
-        <p:blipFill>
-          <a:blip r:embed="rId2" cstate="print">
-            <a:extLst>
-              <a:ext uri="{28A0092B-C50C-407E-A947-70E740481C1C}">
-                <a14:useLocalDpi xmlns="" xmlns:a14="http://schemas.microsoft.com/office/drawing/2010/main" val="0"/>
-              </a:ext>
-            </a:extLst>
-          </a:blip>
-          <a:stretch>
-            <a:fillRect/>
-          </a:stretch>
-        </p:blipFill>
-        <p:spPr>
-          <a:xfrm>
-            <a:off x="914401" y="914400"/>
-            <a:ext cx="2743200" cy="2743200"/>
-          </a:xfrm>
-          <a:prstGeom prst="rect">
-            <a:avLst/>
-          </a:prstGeom>
-          <a:noFill/>
-          <a:ln>
-            <a:noFill/>
-          </a:ln>
-        </p:spPr>
-      </p:pic>
-      <p:sp>
-        <p:nvSpPr>
-          <p:cNvPr id="3" name="TextBox 2"/>
-          <p:cNvSpPr txBox="1"/>
-          <p:nvPr/>
-        </p:nvSpPr>
-        <p:spPr>
-          <a:xfrm>
-            <a:off x="3936533" y="914400"/>
-            <a:ext cx="9079728" cy="2739211"/>
-          </a:xfrm>
-          <a:prstGeom prst="rect">
-            <a:avLst/>
-          </a:prstGeom>
-          <a:noFill/>
-        </p:spPr>
-        <p:txBody>
-          <a:bodyPr wrap="none" lIns="91411" tIns="45701" rIns="91411" bIns="45701" rtlCol="0">
-            <a:spAutoFit/>
-          </a:bodyPr>
-          <a:lstStyle/>
-          <a:p>
-            <a:r>
-              <a:rPr lang="en-US" dirty="0" smtClean="0">
-                <a:solidFill>
-                  <a:srgbClr val="6A7F10"/>
-                </a:solidFill>
-              </a:rPr>
-              <a:t>Portland State </a:t>
-            </a:r>
-          </a:p>
-          <a:p>
-            <a:r>
-              <a:rPr lang="en-US" dirty="0" smtClean="0">
-                <a:solidFill>
-                  <a:srgbClr val="6A7F10"/>
-                </a:solidFill>
-              </a:rPr>
-              <a:t>Aerospace Society</a:t>
-            </a:r>
-            <a:endParaRPr lang="en-US" dirty="0">
+            <a:endParaRPr lang="en-US" sz="4800" dirty="0" smtClean="0">
               <a:solidFill>
                 <a:srgbClr val="6A7F10"/>
               </a:solidFill>
@@ -3366,180 +3149,24 @@
           </a:p>
         </p:txBody>
       </p:sp>
-      <p:pic>
-        <p:nvPicPr>
-          <p:cNvPr id="4" name="Picture 3"/>
-          <p:cNvPicPr>
-            <a:picLocks noChangeAspect="1"/>
-          </p:cNvPicPr>
+      <p:sp>
+        <p:nvSpPr>
+          <p:cNvPr id="109" name="Rounded Rectangle 108"/>
+          <p:cNvSpPr/>
           <p:nvPr/>
-        </p:nvPicPr>
-        <p:blipFill rotWithShape="1">
-          <a:blip r:embed="rId3" cstate="print">
-            <a:extLst>
-              <a:ext uri="{28A0092B-C50C-407E-A947-70E740481C1C}">
-                <a14:useLocalDpi xmlns="" xmlns:a14="http://schemas.microsoft.com/office/drawing/2010/main" val="0"/>
-              </a:ext>
-            </a:extLst>
-          </a:blip>
-          <a:srcRect r="80149"/>
-          <a:stretch/>
-        </p:blipFill>
+        </p:nvSpPr>
         <p:spPr>
           <a:xfrm>
-            <a:off x="40233601" y="914400"/>
-            <a:ext cx="2743200" cy="2815960"/>
-          </a:xfrm>
-          <a:prstGeom prst="rect">
-            <a:avLst/>
-          </a:prstGeom>
-          <a:noFill/>
-          <a:ln>
-            <a:noFill/>
-          </a:ln>
-        </p:spPr>
-      </p:pic>
-      <p:sp>
-        <p:nvSpPr>
-          <p:cNvPr id="21" name="TextBox 20"/>
-          <p:cNvSpPr txBox="1"/>
-          <p:nvPr/>
-        </p:nvSpPr>
-        <p:spPr>
-          <a:xfrm>
-            <a:off x="32842249" y="914400"/>
-            <a:ext cx="7364458" cy="2739173"/>
-          </a:xfrm>
-          <a:prstGeom prst="rect">
-            <a:avLst/>
-          </a:prstGeom>
-          <a:noFill/>
-        </p:spPr>
-        <p:txBody>
-          <a:bodyPr wrap="none" lIns="91411" tIns="45701" rIns="91411" bIns="45701" rtlCol="0">
-            <a:spAutoFit/>
-          </a:bodyPr>
-          <a:lstStyle/>
-          <a:p>
-            <a:r>
-              <a:rPr lang="en-US" dirty="0" smtClean="0">
-                <a:solidFill>
-                  <a:srgbClr val="6A7F10"/>
-                </a:solidFill>
-              </a:rPr>
-              <a:t>Portland State </a:t>
-            </a:r>
-          </a:p>
-          <a:p>
-            <a:pPr algn="r"/>
-            <a:r>
-              <a:rPr lang="en-US" dirty="0" smtClean="0">
-                <a:solidFill>
-                  <a:srgbClr val="6A7F10"/>
-                </a:solidFill>
-              </a:rPr>
-              <a:t>University  </a:t>
-            </a:r>
-            <a:endParaRPr lang="en-US" dirty="0">
-              <a:solidFill>
-                <a:srgbClr val="6A7F10"/>
-              </a:solidFill>
-            </a:endParaRPr>
-          </a:p>
-        </p:txBody>
-      </p:sp>
-      <p:sp>
-        <p:nvSpPr>
-          <p:cNvPr id="93" name="TextBox 92"/>
-          <p:cNvSpPr txBox="1"/>
-          <p:nvPr/>
-        </p:nvSpPr>
-        <p:spPr>
-          <a:xfrm>
-            <a:off x="914401" y="5723868"/>
-            <a:ext cx="13258800" cy="1123346"/>
-          </a:xfrm>
-          <a:prstGeom prst="rect">
-            <a:avLst/>
-          </a:prstGeom>
-          <a:noFill/>
-        </p:spPr>
-        <p:txBody>
-          <a:bodyPr wrap="square" lIns="91411" tIns="45701" rIns="91411" bIns="45701" rtlCol="0">
-            <a:spAutoFit/>
-          </a:bodyPr>
-          <a:lstStyle/>
-          <a:p>
-            <a:pPr algn="ctr"/>
-            <a:r>
-              <a:rPr lang="en-US" sz="6700" b="1" dirty="0">
-                <a:solidFill>
-                  <a:srgbClr val="6A7F10"/>
-                </a:solidFill>
-                <a:latin typeface="Calibri" panose="020F0502020204030204" pitchFamily="34" charset="0"/>
-              </a:rPr>
-              <a:t>PROBLEM</a:t>
-            </a:r>
-          </a:p>
-        </p:txBody>
-      </p:sp>
-      <p:sp>
-        <p:nvSpPr>
-          <p:cNvPr id="101" name="TextBox 100"/>
-          <p:cNvSpPr txBox="1"/>
-          <p:nvPr/>
-        </p:nvSpPr>
-        <p:spPr>
-          <a:xfrm>
-            <a:off x="914402" y="21092374"/>
-            <a:ext cx="13258798" cy="1123346"/>
-          </a:xfrm>
-          <a:prstGeom prst="rect">
-            <a:avLst/>
-          </a:prstGeom>
-          <a:noFill/>
-        </p:spPr>
-        <p:txBody>
-          <a:bodyPr wrap="square" lIns="91411" tIns="45701" rIns="91411" bIns="45701" rtlCol="0">
-            <a:spAutoFit/>
-          </a:bodyPr>
-          <a:lstStyle/>
-          <a:p>
-            <a:pPr algn="ctr"/>
-            <a:r>
-              <a:rPr lang="en-US" sz="6700" b="1" dirty="0" smtClean="0">
-                <a:solidFill>
-                  <a:srgbClr val="6A7F10"/>
-                </a:solidFill>
-                <a:latin typeface="Calibri" panose="020F0502020204030204" pitchFamily="34" charset="0"/>
-              </a:rPr>
-              <a:t>IDEA</a:t>
-            </a:r>
-            <a:endParaRPr lang="en-US" sz="6700" b="1" dirty="0">
-              <a:solidFill>
-                <a:srgbClr val="6A7F10"/>
-              </a:solidFill>
-              <a:latin typeface="Calibri" panose="020F0502020204030204" pitchFamily="34" charset="0"/>
-            </a:endParaRPr>
-          </a:p>
-        </p:txBody>
-      </p:sp>
-      <p:sp>
-        <p:nvSpPr>
-          <p:cNvPr id="1049" name="Rounded Rectangle 1048"/>
-          <p:cNvSpPr/>
-          <p:nvPr/>
-        </p:nvSpPr>
-        <p:spPr>
-          <a:xfrm>
-            <a:off x="1125719" y="7086600"/>
-            <a:ext cx="7340579" cy="3841775"/>
+            <a:off x="914399" y="6858000"/>
+            <a:ext cx="13258800" cy="14173200"/>
           </a:xfrm>
           <a:prstGeom prst="roundRect">
-            <a:avLst/>
+            <a:avLst>
+              <a:gd name="adj" fmla="val 3945"/>
+            </a:avLst>
           </a:prstGeom>
           <a:solidFill>
-            <a:srgbClr val="FFFFFF"/>
+            <a:srgbClr val="E3F39F"/>
           </a:solidFill>
           <a:ln w="76200" cap="sq">
             <a:solidFill>
@@ -3548,7 +3175,6 @@
             <a:miter lim="800000"/>
           </a:ln>
           <a:effectLst/>
-          <a:extLst/>
         </p:spPr>
         <p:style>
           <a:lnRef idx="2">
@@ -3571,81 +3197,6 @@
           <a:lstStyle/>
           <a:p>
             <a:pPr algn="ctr"/>
-            <a:r>
-              <a:rPr lang="en-US" sz="3600" b="1" dirty="0">
-                <a:solidFill>
-                  <a:schemeClr val="tx1"/>
-                </a:solidFill>
-                <a:latin typeface="Calibri" panose="020F0502020204030204" pitchFamily="34" charset="0"/>
-              </a:rPr>
-              <a:t>What good is a high tech rocket if you can’t track it</a:t>
-            </a:r>
-            <a:r>
-              <a:rPr lang="en-US" sz="3600" b="1" dirty="0" smtClean="0">
-                <a:solidFill>
-                  <a:schemeClr val="tx1"/>
-                </a:solidFill>
-                <a:latin typeface="Calibri" panose="020F0502020204030204" pitchFamily="34" charset="0"/>
-              </a:rPr>
-              <a:t>?</a:t>
-            </a:r>
-          </a:p>
-          <a:p>
-            <a:pPr algn="ctr"/>
-            <a:r>
-              <a:rPr lang="en-US" sz="3600" dirty="0" smtClean="0">
-                <a:solidFill>
-                  <a:schemeClr val="tx1"/>
-                </a:solidFill>
-                <a:latin typeface="Calibri" panose="020F0502020204030204" pitchFamily="34" charset="0"/>
-              </a:rPr>
-              <a:t>Current PSAS </a:t>
-            </a:r>
-            <a:r>
-              <a:rPr lang="en-US" sz="3600" dirty="0">
-                <a:solidFill>
-                  <a:schemeClr val="tx1"/>
-                </a:solidFill>
-                <a:latin typeface="Calibri" panose="020F0502020204030204" pitchFamily="34" charset="0"/>
-              </a:rPr>
-              <a:t>methods of tracking are limited </a:t>
-            </a:r>
-            <a:r>
-              <a:rPr lang="en-US" sz="3600" dirty="0" smtClean="0">
-                <a:solidFill>
-                  <a:schemeClr val="tx1"/>
-                </a:solidFill>
-                <a:latin typeface="Calibri" panose="020F0502020204030204" pitchFamily="34" charset="0"/>
-              </a:rPr>
-              <a:t>by</a:t>
-            </a:r>
-            <a:r>
-              <a:rPr lang="en-US" sz="3600" dirty="0" smtClean="0">
-                <a:solidFill>
-                  <a:schemeClr val="tx1"/>
-                </a:solidFill>
-                <a:latin typeface="Calibri" panose="020F0502020204030204" pitchFamily="34" charset="0"/>
-              </a:rPr>
-              <a:t> dependence </a:t>
-            </a:r>
-            <a:r>
-              <a:rPr lang="en-US" sz="3600" dirty="0">
-                <a:solidFill>
-                  <a:schemeClr val="tx1"/>
-                </a:solidFill>
-                <a:latin typeface="Calibri" panose="020F0502020204030204" pitchFamily="34" charset="0"/>
-              </a:rPr>
-              <a:t>on human eye</a:t>
-            </a:r>
-            <a:r>
-              <a:rPr lang="en-US" sz="3600" dirty="0" smtClean="0">
-                <a:solidFill>
-                  <a:schemeClr val="tx1"/>
-                </a:solidFill>
-                <a:latin typeface="Calibri" panose="020F0502020204030204" pitchFamily="34" charset="0"/>
-              </a:rPr>
-              <a:t>.</a:t>
-            </a:r>
             <a:endParaRPr lang="en-US" sz="3600" dirty="0">
               <a:solidFill>
                 <a:schemeClr val="tx1"/>
@@ -3657,14 +3208,433 @@
       </p:sp>
       <p:sp>
         <p:nvSpPr>
-          <p:cNvPr id="100" name="Rounded Rectangle 99"/>
+          <p:cNvPr id="20" name="Title 1"/>
+          <p:cNvSpPr>
+            <a:spLocks noGrp="1"/>
+          </p:cNvSpPr>
+          <p:nvPr>
+            <p:ph type="ctrTitle"/>
+          </p:nvPr>
+        </p:nvSpPr>
+        <p:spPr>
+          <a:xfrm>
+            <a:off x="13716000" y="457200"/>
+            <a:ext cx="17068800" cy="3046988"/>
+          </a:xfrm>
+          <a:noFill/>
+          <a:ln>
+            <a:noFill/>
+          </a:ln>
+        </p:spPr>
+        <p:txBody>
+          <a:bodyPr wrap="square" lIns="91440" tIns="45720" rIns="91440" bIns="45720" anchor="b">
+            <a:spAutoFit/>
+          </a:bodyPr>
+          <a:lstStyle/>
+          <a:p>
+            <a:pPr algn="ctr"/>
+            <a:r>
+              <a:rPr lang="en-US" sz="19200" cap="none" dirty="0" smtClean="0">
+                <a:ln>
+                  <a:noFill/>
+                </a:ln>
+                <a:solidFill>
+                  <a:srgbClr val="6A7F10"/>
+                </a:solidFill>
+                <a:effectLst/>
+                <a:latin typeface="+mn-lt"/>
+              </a:rPr>
+              <a:t>RocketTracks</a:t>
+            </a:r>
+            <a:endParaRPr lang="en-US" sz="19200" cap="none" dirty="0">
+              <a:ln w="18415" cmpd="sng">
+                <a:solidFill>
+                  <a:srgbClr val="FFFFFF"/>
+                </a:solidFill>
+                <a:prstDash val="solid"/>
+              </a:ln>
+              <a:solidFill>
+                <a:srgbClr val="6A7F10"/>
+              </a:solidFill>
+              <a:effectLst>
+                <a:outerShdw blurRad="63500" dir="3600000" algn="tl" rotWithShape="0">
+                  <a:srgbClr val="000000">
+                    <a:alpha val="70000"/>
+                  </a:srgbClr>
+                </a:outerShdw>
+              </a:effectLst>
+              <a:latin typeface="+mn-lt"/>
+            </a:endParaRPr>
+          </a:p>
+        </p:txBody>
+      </p:sp>
+      <p:sp>
+        <p:nvSpPr>
+          <p:cNvPr id="26" name="Subtitle 2"/>
+          <p:cNvSpPr>
+            <a:spLocks noGrp="1"/>
+          </p:cNvSpPr>
+          <p:nvPr>
+            <p:ph type="subTitle" idx="1"/>
+          </p:nvPr>
+        </p:nvSpPr>
+        <p:spPr>
+          <a:xfrm>
+            <a:off x="15011399" y="3506701"/>
+            <a:ext cx="14630401" cy="984837"/>
+          </a:xfrm>
+          <a:noFill/>
+        </p:spPr>
+        <p:txBody>
+          <a:bodyPr wrap="square" lIns="91397" tIns="45696" rIns="91397" bIns="45696" rtlCol="0">
+            <a:spAutoFit/>
+          </a:bodyPr>
+          <a:lstStyle/>
+          <a:p>
+            <a:pPr defTabSz="4386106"/>
+            <a:r>
+              <a:rPr lang="en-US" sz="5800" b="1" dirty="0" smtClean="0">
+                <a:latin typeface="Calibri" pitchFamily="34" charset="0"/>
+              </a:rPr>
+              <a:t>Rob Gaskell, Robin </a:t>
+            </a:r>
+            <a:r>
+              <a:rPr lang="en-US" sz="5800" b="1" dirty="0">
+                <a:latin typeface="Calibri" pitchFamily="34" charset="0"/>
+              </a:rPr>
+              <a:t>Davis, Robert </a:t>
+            </a:r>
+            <a:r>
+              <a:rPr lang="en-US" sz="5800" b="1" dirty="0" smtClean="0">
+                <a:latin typeface="Calibri" pitchFamily="34" charset="0"/>
+              </a:rPr>
+              <a:t>Corkran</a:t>
+            </a:r>
+            <a:endParaRPr lang="en-US" sz="5800" b="1" dirty="0">
+              <a:latin typeface="Calibri" pitchFamily="34" charset="0"/>
+            </a:endParaRPr>
+          </a:p>
+        </p:txBody>
+      </p:sp>
+      <p:sp>
+        <p:nvSpPr>
+          <p:cNvPr id="29" name="TextBox 28"/>
+          <p:cNvSpPr txBox="1"/>
+          <p:nvPr/>
+        </p:nvSpPr>
+        <p:spPr>
+          <a:xfrm>
+            <a:off x="34471403" y="3931920"/>
+            <a:ext cx="8505398" cy="1015661"/>
+          </a:xfrm>
+          <a:prstGeom prst="rect">
+            <a:avLst/>
+          </a:prstGeom>
+          <a:noFill/>
+        </p:spPr>
+        <p:txBody>
+          <a:bodyPr wrap="square" lIns="91397" tIns="45696" rIns="91397" bIns="45696" rtlCol="0">
+            <a:spAutoFit/>
+          </a:bodyPr>
+          <a:lstStyle/>
+          <a:p>
+            <a:pPr algn="r"/>
+            <a:r>
+              <a:rPr lang="en-US" sz="5800" dirty="0" smtClean="0">
+                <a:latin typeface="Calibri" pitchFamily="34" charset="0"/>
+              </a:rPr>
+              <a:t>Advisor</a:t>
+            </a:r>
+            <a:r>
+              <a:rPr lang="en-US" sz="5800" dirty="0">
+                <a:latin typeface="Calibri" pitchFamily="34" charset="0"/>
+              </a:rPr>
+              <a:t>: Malgorzata Jeske</a:t>
+            </a:r>
+          </a:p>
+        </p:txBody>
+      </p:sp>
+      <p:sp>
+        <p:nvSpPr>
+          <p:cNvPr id="30" name="TextBox 29"/>
+          <p:cNvSpPr txBox="1"/>
+          <p:nvPr/>
+        </p:nvSpPr>
+        <p:spPr>
+          <a:xfrm>
+            <a:off x="914401" y="3931920"/>
+            <a:ext cx="10698480" cy="1015661"/>
+          </a:xfrm>
+          <a:prstGeom prst="rect">
+            <a:avLst/>
+          </a:prstGeom>
+          <a:noFill/>
+        </p:spPr>
+        <p:txBody>
+          <a:bodyPr wrap="square" lIns="91397" tIns="45696" rIns="91397" bIns="45696" rtlCol="0">
+            <a:spAutoFit/>
+          </a:bodyPr>
+          <a:lstStyle/>
+          <a:p>
+            <a:r>
+              <a:rPr lang="en-US" sz="5800" dirty="0">
+                <a:latin typeface="Calibri" pitchFamily="34" charset="0"/>
+              </a:rPr>
+              <a:t>Sponsor: Andrew Greenberg</a:t>
+            </a:r>
+          </a:p>
+        </p:txBody>
+      </p:sp>
+      <p:pic>
+        <p:nvPicPr>
+          <p:cNvPr id="2" name="Picture 1"/>
+          <p:cNvPicPr>
+            <a:picLocks noChangeAspect="1"/>
+          </p:cNvPicPr>
+          <p:nvPr/>
+        </p:nvPicPr>
+        <p:blipFill>
+          <a:blip r:embed="rId2" cstate="print">
+            <a:extLst>
+              <a:ext uri="{28A0092B-C50C-407E-A947-70E740481C1C}">
+                <a14:useLocalDpi xmlns:a14="http://schemas.microsoft.com/office/drawing/2010/main" val="0"/>
+              </a:ext>
+            </a:extLst>
+          </a:blip>
+          <a:stretch>
+            <a:fillRect/>
+          </a:stretch>
+        </p:blipFill>
+        <p:spPr>
+          <a:xfrm>
+            <a:off x="914401" y="914400"/>
+            <a:ext cx="2743200" cy="2743200"/>
+          </a:xfrm>
+          <a:prstGeom prst="rect">
+            <a:avLst/>
+          </a:prstGeom>
+          <a:noFill/>
+          <a:ln>
+            <a:noFill/>
+          </a:ln>
+        </p:spPr>
+      </p:pic>
+      <p:sp>
+        <p:nvSpPr>
+          <p:cNvPr id="3" name="TextBox 2"/>
+          <p:cNvSpPr txBox="1"/>
+          <p:nvPr/>
+        </p:nvSpPr>
+        <p:spPr>
+          <a:xfrm>
+            <a:off x="3936533" y="914400"/>
+            <a:ext cx="9079728" cy="2739211"/>
+          </a:xfrm>
+          <a:prstGeom prst="rect">
+            <a:avLst/>
+          </a:prstGeom>
+          <a:noFill/>
+        </p:spPr>
+        <p:txBody>
+          <a:bodyPr wrap="none" lIns="91411" tIns="45701" rIns="91411" bIns="45701" rtlCol="0">
+            <a:spAutoFit/>
+          </a:bodyPr>
+          <a:lstStyle/>
+          <a:p>
+            <a:r>
+              <a:rPr lang="en-US" dirty="0" smtClean="0">
+                <a:solidFill>
+                  <a:srgbClr val="6A7F10"/>
+                </a:solidFill>
+              </a:rPr>
+              <a:t>Portland State </a:t>
+            </a:r>
+          </a:p>
+          <a:p>
+            <a:r>
+              <a:rPr lang="en-US" dirty="0" smtClean="0">
+                <a:solidFill>
+                  <a:srgbClr val="6A7F10"/>
+                </a:solidFill>
+              </a:rPr>
+              <a:t>Aerospace Society</a:t>
+            </a:r>
+            <a:endParaRPr lang="en-US" dirty="0">
+              <a:solidFill>
+                <a:srgbClr val="6A7F10"/>
+              </a:solidFill>
+            </a:endParaRPr>
+          </a:p>
+        </p:txBody>
+      </p:sp>
+      <p:pic>
+        <p:nvPicPr>
+          <p:cNvPr id="4" name="Picture 3"/>
+          <p:cNvPicPr>
+            <a:picLocks noChangeAspect="1"/>
+          </p:cNvPicPr>
+          <p:nvPr/>
+        </p:nvPicPr>
+        <p:blipFill rotWithShape="1">
+          <a:blip r:embed="rId3" cstate="print">
+            <a:extLst>
+              <a:ext uri="{28A0092B-C50C-407E-A947-70E740481C1C}">
+                <a14:useLocalDpi xmlns:a14="http://schemas.microsoft.com/office/drawing/2010/main" val="0"/>
+              </a:ext>
+            </a:extLst>
+          </a:blip>
+          <a:srcRect r="80149"/>
+          <a:stretch/>
+        </p:blipFill>
+        <p:spPr>
+          <a:xfrm>
+            <a:off x="40233601" y="914400"/>
+            <a:ext cx="2743200" cy="2815960"/>
+          </a:xfrm>
+          <a:prstGeom prst="rect">
+            <a:avLst/>
+          </a:prstGeom>
+          <a:noFill/>
+          <a:ln>
+            <a:noFill/>
+          </a:ln>
+        </p:spPr>
+      </p:pic>
+      <p:sp>
+        <p:nvSpPr>
+          <p:cNvPr id="21" name="TextBox 20"/>
+          <p:cNvSpPr txBox="1"/>
+          <p:nvPr/>
+        </p:nvSpPr>
+        <p:spPr>
+          <a:xfrm>
+            <a:off x="32842249" y="914400"/>
+            <a:ext cx="7364458" cy="2739173"/>
+          </a:xfrm>
+          <a:prstGeom prst="rect">
+            <a:avLst/>
+          </a:prstGeom>
+          <a:noFill/>
+        </p:spPr>
+        <p:txBody>
+          <a:bodyPr wrap="none" lIns="91411" tIns="45701" rIns="91411" bIns="45701" rtlCol="0">
+            <a:spAutoFit/>
+          </a:bodyPr>
+          <a:lstStyle/>
+          <a:p>
+            <a:r>
+              <a:rPr lang="en-US" dirty="0" smtClean="0">
+                <a:solidFill>
+                  <a:srgbClr val="6A7F10"/>
+                </a:solidFill>
+              </a:rPr>
+              <a:t>Portland State </a:t>
+            </a:r>
+          </a:p>
+          <a:p>
+            <a:pPr algn="r"/>
+            <a:r>
+              <a:rPr lang="en-US" dirty="0" smtClean="0">
+                <a:solidFill>
+                  <a:srgbClr val="6A7F10"/>
+                </a:solidFill>
+              </a:rPr>
+              <a:t>University  </a:t>
+            </a:r>
+            <a:endParaRPr lang="en-US" dirty="0">
+              <a:solidFill>
+                <a:srgbClr val="6A7F10"/>
+              </a:solidFill>
+            </a:endParaRPr>
+          </a:p>
+        </p:txBody>
+      </p:sp>
+      <p:sp>
+        <p:nvSpPr>
+          <p:cNvPr id="93" name="TextBox 92"/>
+          <p:cNvSpPr txBox="1"/>
+          <p:nvPr/>
+        </p:nvSpPr>
+        <p:spPr>
+          <a:xfrm>
+            <a:off x="914401" y="5723868"/>
+            <a:ext cx="13258800" cy="1123346"/>
+          </a:xfrm>
+          <a:prstGeom prst="rect">
+            <a:avLst/>
+          </a:prstGeom>
+          <a:noFill/>
+        </p:spPr>
+        <p:txBody>
+          <a:bodyPr wrap="square" lIns="91411" tIns="45701" rIns="91411" bIns="45701" rtlCol="0">
+            <a:spAutoFit/>
+          </a:bodyPr>
+          <a:lstStyle/>
+          <a:p>
+            <a:pPr algn="ctr"/>
+            <a:r>
+              <a:rPr lang="en-US" sz="6700" b="1" dirty="0">
+                <a:solidFill>
+                  <a:srgbClr val="6A7F10"/>
+                </a:solidFill>
+                <a:latin typeface="Calibri" panose="020F0502020204030204" pitchFamily="34" charset="0"/>
+              </a:rPr>
+              <a:t>PROBLEM</a:t>
+            </a:r>
+          </a:p>
+        </p:txBody>
+      </p:sp>
+      <p:sp>
+        <p:nvSpPr>
+          <p:cNvPr id="101" name="TextBox 100"/>
+          <p:cNvSpPr txBox="1"/>
+          <p:nvPr/>
+        </p:nvSpPr>
+        <p:spPr>
+          <a:xfrm>
+            <a:off x="914402" y="21092374"/>
+            <a:ext cx="13258798" cy="1123346"/>
+          </a:xfrm>
+          <a:prstGeom prst="rect">
+            <a:avLst/>
+          </a:prstGeom>
+          <a:noFill/>
+        </p:spPr>
+        <p:txBody>
+          <a:bodyPr wrap="square" lIns="91411" tIns="45701" rIns="91411" bIns="45701" rtlCol="0">
+            <a:spAutoFit/>
+          </a:bodyPr>
+          <a:lstStyle/>
+          <a:p>
+            <a:pPr algn="ctr"/>
+            <a:r>
+              <a:rPr lang="en-US" sz="6700" b="1" dirty="0" smtClean="0">
+                <a:solidFill>
+                  <a:srgbClr val="6A7F10"/>
+                </a:solidFill>
+                <a:latin typeface="Calibri" panose="020F0502020204030204" pitchFamily="34" charset="0"/>
+              </a:rPr>
+              <a:t>IDEA</a:t>
+            </a:r>
+            <a:endParaRPr lang="en-US" sz="6700" b="1" dirty="0">
+              <a:solidFill>
+                <a:srgbClr val="6A7F10"/>
+              </a:solidFill>
+              <a:latin typeface="Calibri" panose="020F0502020204030204" pitchFamily="34" charset="0"/>
+            </a:endParaRPr>
+          </a:p>
+        </p:txBody>
+      </p:sp>
+      <p:sp>
+        <p:nvSpPr>
+          <p:cNvPr id="1049" name="Rounded Rectangle 1048"/>
           <p:cNvSpPr/>
           <p:nvPr/>
         </p:nvSpPr>
         <p:spPr>
           <a:xfrm>
-            <a:off x="1175822" y="11201400"/>
-            <a:ext cx="7342632" cy="2667000"/>
+            <a:off x="1125719" y="7086600"/>
+            <a:ext cx="7340579" cy="3841775"/>
           </a:xfrm>
           <a:prstGeom prst="roundRect">
             <a:avLst/>
@@ -3703,6 +3673,128 @@
           <a:p>
             <a:pPr algn="ctr"/>
             <a:r>
+              <a:rPr lang="en-US" sz="3600" b="1" dirty="0">
+                <a:solidFill>
+                  <a:schemeClr val="tx1"/>
+                </a:solidFill>
+                <a:latin typeface="Calibri" panose="020F0502020204030204" pitchFamily="34" charset="0"/>
+              </a:rPr>
+              <a:t>What good is a high tech rocket if you can’t track it</a:t>
+            </a:r>
+            <a:r>
+              <a:rPr lang="en-US" sz="3600" b="1" dirty="0" smtClean="0">
+                <a:solidFill>
+                  <a:schemeClr val="tx1"/>
+                </a:solidFill>
+                <a:latin typeface="Calibri" panose="020F0502020204030204" pitchFamily="34" charset="0"/>
+              </a:rPr>
+              <a:t>?</a:t>
+            </a:r>
+          </a:p>
+          <a:p>
+            <a:pPr algn="ctr"/>
+            <a:r>
+              <a:rPr lang="en-US" sz="3600" dirty="0" smtClean="0">
+                <a:solidFill>
+                  <a:schemeClr val="tx1"/>
+                </a:solidFill>
+                <a:latin typeface="Calibri" panose="020F0502020204030204" pitchFamily="34" charset="0"/>
+              </a:rPr>
+              <a:t>Current PSAS </a:t>
+            </a:r>
+            <a:r>
+              <a:rPr lang="en-US" sz="3600" dirty="0">
+                <a:solidFill>
+                  <a:schemeClr val="tx1"/>
+                </a:solidFill>
+                <a:latin typeface="Calibri" panose="020F0502020204030204" pitchFamily="34" charset="0"/>
+              </a:rPr>
+              <a:t>methods of tracking are limited </a:t>
+            </a:r>
+            <a:r>
+              <a:rPr lang="en-US" sz="3600" dirty="0" smtClean="0">
+                <a:solidFill>
+                  <a:schemeClr val="tx1"/>
+                </a:solidFill>
+                <a:latin typeface="Calibri" panose="020F0502020204030204" pitchFamily="34" charset="0"/>
+              </a:rPr>
+              <a:t>by dependence </a:t>
+            </a:r>
+            <a:r>
+              <a:rPr lang="en-US" sz="3600" dirty="0">
+                <a:solidFill>
+                  <a:schemeClr val="tx1"/>
+                </a:solidFill>
+                <a:latin typeface="Calibri" panose="020F0502020204030204" pitchFamily="34" charset="0"/>
+              </a:rPr>
+              <a:t>on human eye</a:t>
+            </a:r>
+            <a:r>
+              <a:rPr lang="en-US" sz="3600" dirty="0" smtClean="0">
+                <a:solidFill>
+                  <a:schemeClr val="tx1"/>
+                </a:solidFill>
+                <a:latin typeface="Calibri" panose="020F0502020204030204" pitchFamily="34" charset="0"/>
+              </a:rPr>
+              <a:t>.</a:t>
+            </a:r>
+            <a:endParaRPr lang="en-US" sz="3600" dirty="0">
+              <a:solidFill>
+                <a:schemeClr val="tx1"/>
+              </a:solidFill>
+              <a:latin typeface="Calibri" panose="020F0502020204030204" pitchFamily="34" charset="0"/>
+            </a:endParaRPr>
+          </a:p>
+        </p:txBody>
+      </p:sp>
+      <p:sp>
+        <p:nvSpPr>
+          <p:cNvPr id="100" name="Rounded Rectangle 99"/>
+          <p:cNvSpPr/>
+          <p:nvPr/>
+        </p:nvSpPr>
+        <p:spPr>
+          <a:xfrm>
+            <a:off x="1175822" y="11201400"/>
+            <a:ext cx="7342632" cy="2667000"/>
+          </a:xfrm>
+          <a:prstGeom prst="roundRect">
+            <a:avLst/>
+          </a:prstGeom>
+          <a:solidFill>
+            <a:srgbClr val="FFFFFF"/>
+          </a:solidFill>
+          <a:ln w="76200" cap="sq">
+            <a:solidFill>
+              <a:srgbClr val="6A7F10"/>
+            </a:solidFill>
+            <a:miter lim="800000"/>
+          </a:ln>
+          <a:effectLst/>
+          <a:extLst/>
+        </p:spPr>
+        <p:style>
+          <a:lnRef idx="2">
+            <a:schemeClr val="accent1">
+              <a:shade val="50000"/>
+            </a:schemeClr>
+          </a:lnRef>
+          <a:fillRef idx="1">
+            <a:schemeClr val="accent1"/>
+          </a:fillRef>
+          <a:effectRef idx="0">
+            <a:schemeClr val="accent1"/>
+          </a:effectRef>
+          <a:fontRef idx="minor">
+            <a:schemeClr val="lt1"/>
+          </a:fontRef>
+        </p:style>
+        <p:txBody>
+          <a:bodyPr lIns="457200" rIns="457200" rtlCol="0" anchor="ctr"/>
+          <a:lstStyle/>
+          <a:p>
+            <a:pPr algn="ctr"/>
+            <a:r>
               <a:rPr lang="en-US" sz="3600" b="1" dirty="0" smtClean="0">
                 <a:solidFill>
                   <a:schemeClr val="tx1"/>
@@ -3721,43 +3813,7 @@
                 </a:solidFill>
                 <a:latin typeface="Calibri" panose="020F0502020204030204" pitchFamily="34" charset="0"/>
               </a:rPr>
-              <a:t>Keeping </a:t>
-            </a:r>
-            <a:r>
-              <a:rPr lang="en-US" sz="3600" dirty="0" smtClean="0">
-                <a:solidFill>
-                  <a:schemeClr val="tx1"/>
-                </a:solidFill>
-                <a:latin typeface="Calibri" panose="020F0502020204030204" pitchFamily="34" charset="0"/>
-              </a:rPr>
-              <a:t>antennas and cameras pointed at </a:t>
-            </a:r>
-            <a:r>
-              <a:rPr lang="en-US" sz="3600" dirty="0" smtClean="0">
-                <a:solidFill>
-                  <a:schemeClr val="tx1"/>
-                </a:solidFill>
-                <a:latin typeface="Calibri" panose="020F0502020204030204" pitchFamily="34" charset="0"/>
-              </a:rPr>
-              <a:t>them during flight </a:t>
-            </a:r>
-            <a:r>
-              <a:rPr lang="en-US" sz="3600" dirty="0" smtClean="0">
-                <a:solidFill>
-                  <a:schemeClr val="tx1"/>
-                </a:solidFill>
-                <a:latin typeface="Calibri" panose="020F0502020204030204" pitchFamily="34" charset="0"/>
-              </a:rPr>
-              <a:t>is </a:t>
-            </a:r>
-            <a:r>
-              <a:rPr lang="en-US" sz="3600" dirty="0" smtClean="0">
-                <a:solidFill>
-                  <a:schemeClr val="tx1"/>
-                </a:solidFill>
-                <a:latin typeface="Calibri" panose="020F0502020204030204" pitchFamily="34" charset="0"/>
-              </a:rPr>
-              <a:t>a challenge.</a:t>
+              <a:t>Keeping antennas and cameras pointed at them during flight is a challenge.</a:t>
             </a:r>
             <a:endParaRPr lang="en-US" sz="3600" dirty="0">
               <a:solidFill>
@@ -3780,7 +3836,7 @@
           <a:blip r:embed="rId4" cstate="print">
             <a:extLst>
               <a:ext uri="{28A0092B-C50C-407E-A947-70E740481C1C}">
-                <a14:useLocalDpi xmlns="" xmlns:a14="http://schemas.microsoft.com/office/drawing/2010/main" val="0"/>
+                <a14:useLocalDpi xmlns:a14="http://schemas.microsoft.com/office/drawing/2010/main" val="0"/>
               </a:ext>
             </a:extLst>
           </a:blip>
@@ -3901,7 +3957,7 @@
           <a:blip r:embed="rId5" cstate="print">
             <a:extLst>
               <a:ext uri="{28A0092B-C50C-407E-A947-70E740481C1C}">
-                <a14:useLocalDpi xmlns="" xmlns:a14="http://schemas.microsoft.com/office/drawing/2010/main" val="0"/>
+                <a14:useLocalDpi xmlns:a14="http://schemas.microsoft.com/office/drawing/2010/main" val="0"/>
               </a:ext>
             </a:extLst>
           </a:blip>
@@ -4089,25 +4145,7 @@
                 </a:solidFill>
                 <a:latin typeface="Calibri" panose="020F0502020204030204" pitchFamily="34" charset="0"/>
               </a:rPr>
-              <a:t>Eliminate </a:t>
-            </a:r>
-            <a:r>
-              <a:rPr lang="en-US" sz="3600" dirty="0" smtClean="0">
-                <a:solidFill>
-                  <a:schemeClr val="tx1"/>
-                </a:solidFill>
-                <a:latin typeface="Calibri" panose="020F0502020204030204" pitchFamily="34" charset="0"/>
-              </a:rPr>
-              <a:t>human </a:t>
-            </a:r>
-            <a:r>
-              <a:rPr lang="en-US" sz="3600" dirty="0" smtClean="0">
-                <a:solidFill>
-                  <a:schemeClr val="tx1"/>
-                </a:solidFill>
-                <a:latin typeface="Calibri" panose="020F0502020204030204" pitchFamily="34" charset="0"/>
-              </a:rPr>
-              <a:t>error by adding automatic tracking capabilities to the existing RocketTracks system.</a:t>
+              <a:t>Eliminate human error by adding automatic tracking capabilities to the existing RocketTracks system.</a:t>
             </a:r>
           </a:p>
         </p:txBody>
@@ -4229,50 +4267,8 @@
                 </a:solidFill>
                 <a:latin typeface="Calibri" panose="020F0502020204030204" pitchFamily="34" charset="0"/>
               </a:rPr>
-              <a:t> </a:t>
-            </a:r>
-            <a:r>
-              <a:rPr lang="en-US" sz="3600" dirty="0" smtClean="0">
-                <a:solidFill>
-                  <a:schemeClr val="tx1"/>
-                </a:solidFill>
-                <a:latin typeface="Calibri" panose="020F0502020204030204" pitchFamily="34" charset="0"/>
-              </a:rPr>
-              <a:t>controller board to interface mechanical system </a:t>
-            </a:r>
-            <a:r>
-              <a:rPr lang="en-US" sz="3600" dirty="0" smtClean="0">
-                <a:solidFill>
-                  <a:schemeClr val="tx1"/>
-                </a:solidFill>
-                <a:latin typeface="Calibri" panose="020F0502020204030204" pitchFamily="34" charset="0"/>
-              </a:rPr>
-              <a:t>with automatic and manual </a:t>
-            </a:r>
-            <a:r>
-              <a:rPr lang="en-US" sz="3600" dirty="0" smtClean="0">
-                <a:solidFill>
-                  <a:schemeClr val="tx1"/>
-                </a:solidFill>
-                <a:latin typeface="Calibri" panose="020F0502020204030204" pitchFamily="34" charset="0"/>
-              </a:rPr>
-              <a:t>control </a:t>
-            </a:r>
-            <a:r>
-              <a:rPr lang="en-US" sz="3600" dirty="0" smtClean="0">
-                <a:solidFill>
-                  <a:schemeClr val="tx1"/>
-                </a:solidFill>
-                <a:latin typeface="Calibri" panose="020F0502020204030204" pitchFamily="34" charset="0"/>
-              </a:rPr>
-              <a:t>boards</a:t>
-            </a:r>
-            <a:endParaRPr lang="en-US" sz="3600" dirty="0" smtClean="0">
-              <a:solidFill>
-                <a:schemeClr val="tx1"/>
-              </a:solidFill>
-              <a:latin typeface="Calibri" panose="020F0502020204030204" pitchFamily="34" charset="0"/>
-            </a:endParaRPr>
+              <a:t> controller board to interface mechanical system with automatic and manual control boards</a:t>
+            </a:r>
           </a:p>
           <a:p>
             <a:pPr marL="571500" indent="-571500">
@@ -4319,16 +4315,7 @@
                 </a:solidFill>
                 <a:latin typeface="Calibri" panose="020F0502020204030204" pitchFamily="34" charset="0"/>
               </a:rPr>
-              <a:t>Interface </a:t>
-            </a:r>
-            <a:r>
-              <a:rPr lang="en-US" sz="3600" dirty="0" smtClean="0">
-                <a:solidFill>
-                  <a:schemeClr val="tx1"/>
-                </a:solidFill>
-                <a:latin typeface="Calibri" panose="020F0502020204030204" pitchFamily="34" charset="0"/>
-              </a:rPr>
-              <a:t>with Sightline SLA-1500 to add automatic tracking</a:t>
+              <a:t>Interface with Sightline SLA-1500 to add automatic tracking</a:t>
             </a:r>
           </a:p>
           <a:p>
@@ -4343,16 +4330,7 @@
                 </a:solidFill>
                 <a:latin typeface="Calibri" panose="020F0502020204030204" pitchFamily="34" charset="0"/>
               </a:rPr>
-              <a:t>Improve control loop for manual controller </a:t>
-            </a:r>
-            <a:r>
-              <a:rPr lang="en-US" sz="3600" dirty="0" smtClean="0">
-                <a:solidFill>
-                  <a:schemeClr val="tx1"/>
-                </a:solidFill>
-                <a:latin typeface="Calibri" panose="020F0502020204030204" pitchFamily="34" charset="0"/>
-              </a:rPr>
-              <a:t>and interface via Ethernet</a:t>
+              <a:t>Improve control loop for manual controller and interface via Ethernet</a:t>
             </a:r>
           </a:p>
           <a:p>
@@ -4367,52 +4345,7 @@
                 </a:solidFill>
                 <a:latin typeface="Calibri" panose="020F0502020204030204" pitchFamily="34" charset="0"/>
               </a:rPr>
-              <a:t>Create safety protocols and perform </a:t>
-            </a:r>
-            <a:r>
-              <a:rPr lang="en-US" sz="3600" dirty="0" smtClean="0">
-                <a:solidFill>
-                  <a:schemeClr val="tx1"/>
-                </a:solidFill>
-                <a:latin typeface="Calibri" panose="020F0502020204030204" pitchFamily="34" charset="0"/>
-              </a:rPr>
-              <a:t>FMEA </a:t>
-            </a:r>
-            <a:r>
-              <a:rPr lang="en-US" sz="3600" dirty="0" smtClean="0">
-                <a:solidFill>
-                  <a:schemeClr val="tx1"/>
-                </a:solidFill>
-                <a:latin typeface="Calibri" panose="020F0502020204030204" pitchFamily="34" charset="0"/>
-              </a:rPr>
-              <a:t>analysis to </a:t>
-            </a:r>
-            <a:r>
-              <a:rPr lang="en-US" sz="3600" dirty="0" smtClean="0">
-                <a:solidFill>
-                  <a:schemeClr val="tx1"/>
-                </a:solidFill>
-                <a:latin typeface="Calibri" panose="020F0502020204030204" pitchFamily="34" charset="0"/>
-              </a:rPr>
-              <a:t>protect from </a:t>
-            </a:r>
-            <a:r>
-              <a:rPr lang="en-US" sz="3600" dirty="0" smtClean="0">
-                <a:solidFill>
-                  <a:schemeClr val="tx1"/>
-                </a:solidFill>
-                <a:latin typeface="Calibri" panose="020F0502020204030204" pitchFamily="34" charset="0"/>
-              </a:rPr>
-              <a:t>personal injury </a:t>
-            </a:r>
-            <a:r>
-              <a:rPr lang="en-US" sz="3600" dirty="0" smtClean="0">
-                <a:solidFill>
-                  <a:schemeClr val="tx1"/>
-                </a:solidFill>
-                <a:latin typeface="Calibri" panose="020F0502020204030204" pitchFamily="34" charset="0"/>
-              </a:rPr>
-              <a:t>or damage to system</a:t>
+              <a:t>Create safety protocols and perform FMEA analysis to protect from personal injury or damage to system</a:t>
             </a:r>
           </a:p>
         </p:txBody>
@@ -4458,1034 +4391,827 @@
           </a:p>
         </p:txBody>
       </p:sp>
-      <p:grpSp>
-        <p:nvGrpSpPr>
-          <p:cNvPr id="66" name="Group 65"/>
-          <p:cNvGrpSpPr/>
+      <p:sp>
+        <p:nvSpPr>
+          <p:cNvPr id="81" name="Freeform 80"/>
+          <p:cNvSpPr/>
           <p:nvPr/>
-        </p:nvGrpSpPr>
-        <p:grpSpPr>
-          <a:xfrm>
-            <a:off x="14706600" y="6837738"/>
-            <a:ext cx="14478000" cy="19527462"/>
-            <a:chOff x="14706600" y="6837738"/>
-            <a:chExt cx="14478000" cy="19527462"/>
-          </a:xfrm>
-        </p:grpSpPr>
-        <p:grpSp>
-          <p:nvGrpSpPr>
-            <p:cNvPr id="60" name="Group 59"/>
-            <p:cNvGrpSpPr/>
-            <p:nvPr/>
-          </p:nvGrpSpPr>
-          <p:grpSpPr>
-            <a:xfrm>
-              <a:off x="14706600" y="6858000"/>
-              <a:ext cx="14478000" cy="19507200"/>
-              <a:chOff x="14706600" y="6858000"/>
-              <a:chExt cx="14478000" cy="19507200"/>
-            </a:xfrm>
-            <a:noFill/>
-          </p:grpSpPr>
-          <p:sp>
-            <p:nvSpPr>
-              <p:cNvPr id="59" name="Rounded Rectangle 58"/>
-              <p:cNvSpPr/>
-              <p:nvPr/>
-            </p:nvSpPr>
-            <p:spPr>
-              <a:xfrm>
-                <a:off x="14706600" y="6858000"/>
-                <a:ext cx="14478000" cy="19507200"/>
-              </a:xfrm>
-              <a:prstGeom prst="roundRect">
-                <a:avLst>
-                  <a:gd name="adj" fmla="val 3945"/>
-                </a:avLst>
-              </a:prstGeom>
-              <a:grpFill/>
-              <a:ln w="76200" cap="sq">
-                <a:solidFill>
-                  <a:srgbClr val="6A7F10"/>
-                </a:solidFill>
-                <a:miter lim="800000"/>
-              </a:ln>
-              <a:effectLst/>
-            </p:spPr>
-            <p:style>
-              <a:lnRef idx="2">
-                <a:schemeClr val="accent1">
-                  <a:shade val="50000"/>
-                </a:schemeClr>
-              </a:lnRef>
-              <a:fillRef idx="1">
-                <a:schemeClr val="accent1"/>
-              </a:fillRef>
-              <a:effectRef idx="0">
-                <a:schemeClr val="accent1"/>
-              </a:effectRef>
-              <a:fontRef idx="minor">
-                <a:schemeClr val="lt1"/>
-              </a:fontRef>
-            </p:style>
-            <p:txBody>
-              <a:bodyPr lIns="457200" rIns="457200" rtlCol="0" anchor="ctr"/>
-              <a:lstStyle/>
-              <a:p>
-                <a:pPr algn="ctr"/>
-                <a:endParaRPr lang="en-US" sz="3600" dirty="0">
-                  <a:solidFill>
-                    <a:schemeClr val="tx1"/>
-                  </a:solidFill>
-                  <a:latin typeface="Calibri" panose="020F0502020204030204" pitchFamily="34" charset="0"/>
-                </a:endParaRPr>
-              </a:p>
-            </p:txBody>
-          </p:sp>
-          <p:pic>
-            <p:nvPicPr>
-              <p:cNvPr id="6" name="Picture 5"/>
-              <p:cNvPicPr>
-                <a:picLocks noChangeAspect="1"/>
-              </p:cNvPicPr>
-              <p:nvPr/>
-            </p:nvPicPr>
-            <p:blipFill>
-              <a:blip r:embed="rId6" cstate="print">
-                <a:extLst>
-                  <a:ext uri="{28A0092B-C50C-407E-A947-70E740481C1C}">
-                    <a14:useLocalDpi xmlns="" xmlns:a14="http://schemas.microsoft.com/office/drawing/2010/main" val="0"/>
-                  </a:ext>
-                </a:extLst>
-              </a:blip>
-              <a:stretch>
-                <a:fillRect/>
-              </a:stretch>
-            </p:blipFill>
-            <p:spPr>
-              <a:xfrm>
-                <a:off x="22326600" y="20421600"/>
-                <a:ext cx="4038600" cy="1128845"/>
-              </a:xfrm>
-              <a:prstGeom prst="rect">
-                <a:avLst/>
-              </a:prstGeom>
-              <a:grpFill/>
-            </p:spPr>
-          </p:pic>
-        </p:grpSp>
-        <p:sp>
-          <p:nvSpPr>
-            <p:cNvPr id="81" name="Freeform 80"/>
-            <p:cNvSpPr/>
-            <p:nvPr/>
-          </p:nvSpPr>
-          <p:spPr>
-            <a:xfrm flipV="1">
-              <a:off x="22479000" y="24307800"/>
-              <a:ext cx="3810000" cy="533399"/>
-            </a:xfrm>
-            <a:custGeom>
-              <a:avLst/>
-              <a:gdLst>
-                <a:gd name="connsiteX0" fmla="*/ 0 w 9090211"/>
-                <a:gd name="connsiteY0" fmla="*/ 548597 h 14587327"/>
-                <a:gd name="connsiteX1" fmla="*/ 7315200 w 9090211"/>
-                <a:gd name="connsiteY1" fmla="*/ 1678150 h 14587327"/>
-                <a:gd name="connsiteX2" fmla="*/ 9090211 w 9090211"/>
-                <a:gd name="connsiteY2" fmla="*/ 14587327 h 14587327"/>
-              </a:gdLst>
-              <a:ahLst/>
-              <a:cxnLst>
-                <a:cxn ang="0">
-                  <a:pos x="connsiteX0" y="connsiteY0"/>
-                </a:cxn>
-                <a:cxn ang="0">
-                  <a:pos x="connsiteX1" y="connsiteY1"/>
-                </a:cxn>
-                <a:cxn ang="0">
-                  <a:pos x="connsiteX2" y="connsiteY2"/>
-                </a:cxn>
-              </a:cxnLst>
-              <a:rect l="l" t="t" r="r" b="b"/>
-              <a:pathLst>
-                <a:path w="9090211" h="14587327">
-                  <a:moveTo>
-                    <a:pt x="0" y="548597"/>
-                  </a:moveTo>
-                  <a:cubicBezTo>
-                    <a:pt x="2900082" y="-56521"/>
-                    <a:pt x="5800165" y="-661638"/>
-                    <a:pt x="7315200" y="1678150"/>
-                  </a:cubicBezTo>
-                  <a:cubicBezTo>
-                    <a:pt x="8830235" y="4017938"/>
-                    <a:pt x="8543364" y="12695774"/>
-                    <a:pt x="9090211" y="14587327"/>
-                  </a:cubicBezTo>
-                </a:path>
-              </a:pathLst>
-            </a:custGeom>
-            <a:noFill/>
-            <a:ln w="85725">
-              <a:headEnd w="lg" len="lg"/>
-              <a:tailEnd type="triangle" w="lg" len="lg"/>
-            </a:ln>
-          </p:spPr>
-          <p:style>
-            <a:lnRef idx="2">
-              <a:schemeClr val="accent1">
-                <a:shade val="50000"/>
-              </a:schemeClr>
-            </a:lnRef>
-            <a:fillRef idx="1">
-              <a:schemeClr val="accent1"/>
-            </a:fillRef>
-            <a:effectRef idx="0">
-              <a:schemeClr val="accent1"/>
-            </a:effectRef>
-            <a:fontRef idx="minor">
-              <a:schemeClr val="lt1"/>
-            </a:fontRef>
-          </p:style>
-          <p:txBody>
-            <a:bodyPr rtlCol="0" anchor="ctr"/>
-            <a:lstStyle/>
-            <a:p>
-              <a:pPr algn="ctr"/>
-              <a:endParaRPr lang="en-US"/>
-            </a:p>
-          </p:txBody>
-        </p:sp>
-        <p:sp>
-          <p:nvSpPr>
-            <p:cNvPr id="79" name="Freeform 78"/>
-            <p:cNvSpPr/>
-            <p:nvPr/>
-          </p:nvSpPr>
-          <p:spPr>
-            <a:xfrm flipH="1" flipV="1">
-              <a:off x="17526000" y="22098000"/>
-              <a:ext cx="3039506" cy="2895600"/>
-            </a:xfrm>
-            <a:custGeom>
-              <a:avLst/>
-              <a:gdLst>
-                <a:gd name="connsiteX0" fmla="*/ 0 w 9090211"/>
-                <a:gd name="connsiteY0" fmla="*/ 548597 h 14587327"/>
-                <a:gd name="connsiteX1" fmla="*/ 7315200 w 9090211"/>
-                <a:gd name="connsiteY1" fmla="*/ 1678150 h 14587327"/>
-                <a:gd name="connsiteX2" fmla="*/ 9090211 w 9090211"/>
-                <a:gd name="connsiteY2" fmla="*/ 14587327 h 14587327"/>
-              </a:gdLst>
-              <a:ahLst/>
-              <a:cxnLst>
-                <a:cxn ang="0">
-                  <a:pos x="connsiteX0" y="connsiteY0"/>
-                </a:cxn>
-                <a:cxn ang="0">
-                  <a:pos x="connsiteX1" y="connsiteY1"/>
-                </a:cxn>
-                <a:cxn ang="0">
-                  <a:pos x="connsiteX2" y="connsiteY2"/>
-                </a:cxn>
-              </a:cxnLst>
-              <a:rect l="l" t="t" r="r" b="b"/>
-              <a:pathLst>
-                <a:path w="9090211" h="14587327">
-                  <a:moveTo>
-                    <a:pt x="0" y="548597"/>
-                  </a:moveTo>
-                  <a:cubicBezTo>
-                    <a:pt x="2900082" y="-56521"/>
-                    <a:pt x="5800165" y="-661638"/>
-                    <a:pt x="7315200" y="1678150"/>
-                  </a:cubicBezTo>
-                  <a:cubicBezTo>
-                    <a:pt x="8830235" y="4017938"/>
-                    <a:pt x="8543364" y="12695774"/>
-                    <a:pt x="9090211" y="14587327"/>
-                  </a:cubicBezTo>
-                </a:path>
-              </a:pathLst>
-            </a:custGeom>
-            <a:noFill/>
-            <a:ln w="85725">
-              <a:headEnd w="lg" len="lg"/>
-              <a:tailEnd type="triangle" w="lg" len="lg"/>
-            </a:ln>
-          </p:spPr>
-          <p:style>
-            <a:lnRef idx="2">
-              <a:schemeClr val="accent1">
-                <a:shade val="50000"/>
-              </a:schemeClr>
-            </a:lnRef>
-            <a:fillRef idx="1">
-              <a:schemeClr val="accent1"/>
-            </a:fillRef>
-            <a:effectRef idx="0">
-              <a:schemeClr val="accent1"/>
-            </a:effectRef>
-            <a:fontRef idx="minor">
-              <a:schemeClr val="lt1"/>
-            </a:fontRef>
-          </p:style>
-          <p:txBody>
-            <a:bodyPr rtlCol="0" anchor="ctr"/>
-            <a:lstStyle/>
-            <a:p>
-              <a:pPr algn="ctr"/>
-              <a:endParaRPr lang="en-US"/>
-            </a:p>
-          </p:txBody>
-        </p:sp>
-        <p:pic>
-          <p:nvPicPr>
-            <p:cNvPr id="1036" name="Picture 6" descr="C:\Users\Robin\Projects\rocket-tracks\Documentation\poster\laptop-clipart-600x600.png"/>
-            <p:cNvPicPr>
-              <a:picLocks noChangeAspect="1" noChangeArrowheads="1"/>
-            </p:cNvPicPr>
-            <p:nvPr/>
-          </p:nvPicPr>
-          <p:blipFill>
-            <a:blip r:embed="rId7" cstate="print">
-              <a:extLst>
-                <a:ext uri="{28A0092B-C50C-407E-A947-70E740481C1C}">
-                  <a14:useLocalDpi xmlns="" xmlns:a14="http://schemas.microsoft.com/office/drawing/2010/main" val="0"/>
-                </a:ext>
-              </a:extLst>
-            </a:blip>
-            <a:srcRect/>
-            <a:stretch>
-              <a:fillRect/>
-            </a:stretch>
-          </p:blipFill>
-          <p:spPr bwMode="auto">
-            <a:xfrm>
-              <a:off x="26204306" y="22707600"/>
-              <a:ext cx="2223509" cy="2470117"/>
-            </a:xfrm>
-            <a:prstGeom prst="rect">
-              <a:avLst/>
-            </a:prstGeom>
-            <a:noFill/>
+        </p:nvSpPr>
+        <p:spPr>
+          <a:xfrm flipV="1">
+            <a:off x="22479000" y="24307800"/>
+            <a:ext cx="3810000" cy="533399"/>
+          </a:xfrm>
+          <a:custGeom>
+            <a:avLst/>
+            <a:gdLst>
+              <a:gd name="connsiteX0" fmla="*/ 0 w 9090211"/>
+              <a:gd name="connsiteY0" fmla="*/ 548597 h 14587327"/>
+              <a:gd name="connsiteX1" fmla="*/ 7315200 w 9090211"/>
+              <a:gd name="connsiteY1" fmla="*/ 1678150 h 14587327"/>
+              <a:gd name="connsiteX2" fmla="*/ 9090211 w 9090211"/>
+              <a:gd name="connsiteY2" fmla="*/ 14587327 h 14587327"/>
+            </a:gdLst>
+            <a:ahLst/>
+            <a:cxnLst>
+              <a:cxn ang="0">
+                <a:pos x="connsiteX0" y="connsiteY0"/>
+              </a:cxn>
+              <a:cxn ang="0">
+                <a:pos x="connsiteX1" y="connsiteY1"/>
+              </a:cxn>
+              <a:cxn ang="0">
+                <a:pos x="connsiteX2" y="connsiteY2"/>
+              </a:cxn>
+            </a:cxnLst>
+            <a:rect l="l" t="t" r="r" b="b"/>
+            <a:pathLst>
+              <a:path w="9090211" h="14587327">
+                <a:moveTo>
+                  <a:pt x="0" y="548597"/>
+                </a:moveTo>
+                <a:cubicBezTo>
+                  <a:pt x="2900082" y="-56521"/>
+                  <a:pt x="5800165" y="-661638"/>
+                  <a:pt x="7315200" y="1678150"/>
+                </a:cubicBezTo>
+                <a:cubicBezTo>
+                  <a:pt x="8830235" y="4017938"/>
+                  <a:pt x="8543364" y="12695774"/>
+                  <a:pt x="9090211" y="14587327"/>
+                </a:cubicBezTo>
+              </a:path>
+            </a:pathLst>
+          </a:custGeom>
+          <a:noFill/>
+          <a:ln w="85725">
+            <a:headEnd w="lg" len="lg"/>
+            <a:tailEnd type="triangle" w="lg" len="lg"/>
+          </a:ln>
+        </p:spPr>
+        <p:style>
+          <a:lnRef idx="2">
+            <a:schemeClr val="accent1">
+              <a:shade val="50000"/>
+            </a:schemeClr>
+          </a:lnRef>
+          <a:fillRef idx="1">
+            <a:schemeClr val="accent1"/>
+          </a:fillRef>
+          <a:effectRef idx="0">
+            <a:schemeClr val="accent1"/>
+          </a:effectRef>
+          <a:fontRef idx="minor">
+            <a:schemeClr val="lt1"/>
+          </a:fontRef>
+        </p:style>
+        <p:txBody>
+          <a:bodyPr rtlCol="0" anchor="ctr"/>
+          <a:lstStyle/>
+          <a:p>
+            <a:pPr algn="ctr"/>
+            <a:endParaRPr lang="en-US"/>
+          </a:p>
+        </p:txBody>
+      </p:sp>
+      <p:sp>
+        <p:nvSpPr>
+          <p:cNvPr id="79" name="Freeform 78"/>
+          <p:cNvSpPr/>
+          <p:nvPr/>
+        </p:nvSpPr>
+        <p:spPr>
+          <a:xfrm flipH="1" flipV="1">
+            <a:off x="17526000" y="22098000"/>
+            <a:ext cx="3941476" cy="2743199"/>
+          </a:xfrm>
+          <a:custGeom>
+            <a:avLst/>
+            <a:gdLst>
+              <a:gd name="connsiteX0" fmla="*/ 0 w 9090211"/>
+              <a:gd name="connsiteY0" fmla="*/ 548597 h 14587327"/>
+              <a:gd name="connsiteX1" fmla="*/ 7315200 w 9090211"/>
+              <a:gd name="connsiteY1" fmla="*/ 1678150 h 14587327"/>
+              <a:gd name="connsiteX2" fmla="*/ 9090211 w 9090211"/>
+              <a:gd name="connsiteY2" fmla="*/ 14587327 h 14587327"/>
+            </a:gdLst>
+            <a:ahLst/>
+            <a:cxnLst>
+              <a:cxn ang="0">
+                <a:pos x="connsiteX0" y="connsiteY0"/>
+              </a:cxn>
+              <a:cxn ang="0">
+                <a:pos x="connsiteX1" y="connsiteY1"/>
+              </a:cxn>
+              <a:cxn ang="0">
+                <a:pos x="connsiteX2" y="connsiteY2"/>
+              </a:cxn>
+            </a:cxnLst>
+            <a:rect l="l" t="t" r="r" b="b"/>
+            <a:pathLst>
+              <a:path w="9090211" h="14587327">
+                <a:moveTo>
+                  <a:pt x="0" y="548597"/>
+                </a:moveTo>
+                <a:cubicBezTo>
+                  <a:pt x="2900082" y="-56521"/>
+                  <a:pt x="5800165" y="-661638"/>
+                  <a:pt x="7315200" y="1678150"/>
+                </a:cubicBezTo>
+                <a:cubicBezTo>
+                  <a:pt x="8830235" y="4017938"/>
+                  <a:pt x="8543364" y="12695774"/>
+                  <a:pt x="9090211" y="14587327"/>
+                </a:cubicBezTo>
+              </a:path>
+            </a:pathLst>
+          </a:custGeom>
+          <a:noFill/>
+          <a:ln w="85725">
+            <a:headEnd w="lg" len="lg"/>
+            <a:tailEnd type="triangle" w="lg" len="lg"/>
+          </a:ln>
+        </p:spPr>
+        <p:style>
+          <a:lnRef idx="2">
+            <a:schemeClr val="accent1">
+              <a:shade val="50000"/>
+            </a:schemeClr>
+          </a:lnRef>
+          <a:fillRef idx="1">
+            <a:schemeClr val="accent1"/>
+          </a:fillRef>
+          <a:effectRef idx="0">
+            <a:schemeClr val="accent1"/>
+          </a:effectRef>
+          <a:fontRef idx="minor">
+            <a:schemeClr val="lt1"/>
+          </a:fontRef>
+        </p:style>
+        <p:txBody>
+          <a:bodyPr rtlCol="0" anchor="ctr"/>
+          <a:lstStyle/>
+          <a:p>
+            <a:pPr algn="ctr"/>
+            <a:endParaRPr lang="en-US"/>
+          </a:p>
+        </p:txBody>
+      </p:sp>
+      <p:pic>
+        <p:nvPicPr>
+          <p:cNvPr id="1036" name="Picture 6" descr="C:\Users\Robin\Projects\rocket-tracks\Documentation\poster\laptop-clipart-600x600.png"/>
+          <p:cNvPicPr>
+            <a:picLocks noChangeAspect="1" noChangeArrowheads="1"/>
+          </p:cNvPicPr>
+          <p:nvPr/>
+        </p:nvPicPr>
+        <p:blipFill>
+          <a:blip r:embed="rId6" cstate="print">
             <a:extLst>
-              <a:ext uri="{909E8E84-426E-40DD-AFC4-6F175D3DCCD1}">
-                <a14:hiddenFill xmlns="" xmlns:a14="http://schemas.microsoft.com/office/drawing/2010/main">
-                  <a:solidFill>
-                    <a:srgbClr val="FFFFFF"/>
-                  </a:solidFill>
-                </a14:hiddenFill>
+              <a:ext uri="{28A0092B-C50C-407E-A947-70E740481C1C}">
+                <a14:useLocalDpi xmlns:a14="http://schemas.microsoft.com/office/drawing/2010/main" val="0"/>
               </a:ext>
             </a:extLst>
-          </p:spPr>
-        </p:pic>
-        <p:sp>
-          <p:nvSpPr>
-            <p:cNvPr id="1034" name="Freeform 1033"/>
-            <p:cNvSpPr/>
-            <p:nvPr/>
-          </p:nvSpPr>
-          <p:spPr>
-            <a:xfrm>
-              <a:off x="19583721" y="8240348"/>
-              <a:ext cx="6400479" cy="11266852"/>
-            </a:xfrm>
-            <a:custGeom>
-              <a:avLst/>
-              <a:gdLst>
-                <a:gd name="connsiteX0" fmla="*/ 0 w 9090211"/>
-                <a:gd name="connsiteY0" fmla="*/ 548597 h 14587327"/>
-                <a:gd name="connsiteX1" fmla="*/ 7315200 w 9090211"/>
-                <a:gd name="connsiteY1" fmla="*/ 1678150 h 14587327"/>
-                <a:gd name="connsiteX2" fmla="*/ 9090211 w 9090211"/>
-                <a:gd name="connsiteY2" fmla="*/ 14587327 h 14587327"/>
-              </a:gdLst>
-              <a:ahLst/>
-              <a:cxnLst>
-                <a:cxn ang="0">
-                  <a:pos x="connsiteX0" y="connsiteY0"/>
-                </a:cxn>
-                <a:cxn ang="0">
-                  <a:pos x="connsiteX1" y="connsiteY1"/>
-                </a:cxn>
-                <a:cxn ang="0">
-                  <a:pos x="connsiteX2" y="connsiteY2"/>
-                </a:cxn>
-              </a:cxnLst>
-              <a:rect l="l" t="t" r="r" b="b"/>
-              <a:pathLst>
-                <a:path w="9090211" h="14587327">
-                  <a:moveTo>
-                    <a:pt x="0" y="548597"/>
-                  </a:moveTo>
-                  <a:cubicBezTo>
-                    <a:pt x="2900082" y="-56521"/>
-                    <a:pt x="5800165" y="-661638"/>
-                    <a:pt x="7315200" y="1678150"/>
-                  </a:cubicBezTo>
-                  <a:cubicBezTo>
-                    <a:pt x="8830235" y="4017938"/>
-                    <a:pt x="8543364" y="12695774"/>
-                    <a:pt x="9090211" y="14587327"/>
-                  </a:cubicBezTo>
-                </a:path>
-              </a:pathLst>
-            </a:custGeom>
-            <a:noFill/>
-            <a:ln w="85725">
-              <a:headEnd w="lg" len="lg"/>
-              <a:tailEnd type="triangle" w="lg" len="lg"/>
-            </a:ln>
-          </p:spPr>
-          <p:style>
-            <a:lnRef idx="2">
-              <a:schemeClr val="accent1">
-                <a:shade val="50000"/>
+          </a:blip>
+          <a:srcRect/>
+          <a:stretch>
+            <a:fillRect/>
+          </a:stretch>
+        </p:blipFill>
+        <p:spPr bwMode="auto">
+          <a:xfrm>
+            <a:off x="26204306" y="22707600"/>
+            <a:ext cx="2223509" cy="2470117"/>
+          </a:xfrm>
+          <a:prstGeom prst="rect">
+            <a:avLst/>
+          </a:prstGeom>
+          <a:noFill/>
+          <a:extLst>
+            <a:ext uri="{909E8E84-426E-40DD-AFC4-6F175D3DCCD1}">
+              <a14:hiddenFill xmlns:a14="http://schemas.microsoft.com/office/drawing/2010/main">
+                <a:solidFill>
+                  <a:srgbClr val="FFFFFF"/>
+                </a:solidFill>
+              </a14:hiddenFill>
+            </a:ext>
+          </a:extLst>
+        </p:spPr>
+      </p:pic>
+      <p:sp>
+        <p:nvSpPr>
+          <p:cNvPr id="1034" name="Freeform 1033"/>
+          <p:cNvSpPr/>
+          <p:nvPr/>
+        </p:nvSpPr>
+        <p:spPr>
+          <a:xfrm>
+            <a:off x="19583721" y="8240348"/>
+            <a:ext cx="6400479" cy="11266852"/>
+          </a:xfrm>
+          <a:custGeom>
+            <a:avLst/>
+            <a:gdLst>
+              <a:gd name="connsiteX0" fmla="*/ 0 w 9090211"/>
+              <a:gd name="connsiteY0" fmla="*/ 548597 h 14587327"/>
+              <a:gd name="connsiteX1" fmla="*/ 7315200 w 9090211"/>
+              <a:gd name="connsiteY1" fmla="*/ 1678150 h 14587327"/>
+              <a:gd name="connsiteX2" fmla="*/ 9090211 w 9090211"/>
+              <a:gd name="connsiteY2" fmla="*/ 14587327 h 14587327"/>
+            </a:gdLst>
+            <a:ahLst/>
+            <a:cxnLst>
+              <a:cxn ang="0">
+                <a:pos x="connsiteX0" y="connsiteY0"/>
+              </a:cxn>
+              <a:cxn ang="0">
+                <a:pos x="connsiteX1" y="connsiteY1"/>
+              </a:cxn>
+              <a:cxn ang="0">
+                <a:pos x="connsiteX2" y="connsiteY2"/>
+              </a:cxn>
+            </a:cxnLst>
+            <a:rect l="l" t="t" r="r" b="b"/>
+            <a:pathLst>
+              <a:path w="9090211" h="14587327">
+                <a:moveTo>
+                  <a:pt x="0" y="548597"/>
+                </a:moveTo>
+                <a:cubicBezTo>
+                  <a:pt x="2900082" y="-56521"/>
+                  <a:pt x="5800165" y="-661638"/>
+                  <a:pt x="7315200" y="1678150"/>
+                </a:cubicBezTo>
+                <a:cubicBezTo>
+                  <a:pt x="8830235" y="4017938"/>
+                  <a:pt x="8543364" y="12695774"/>
+                  <a:pt x="9090211" y="14587327"/>
+                </a:cubicBezTo>
+              </a:path>
+            </a:pathLst>
+          </a:custGeom>
+          <a:noFill/>
+          <a:ln w="85725">
+            <a:headEnd w="lg" len="lg"/>
+            <a:tailEnd type="triangle" w="lg" len="lg"/>
+          </a:ln>
+        </p:spPr>
+        <p:style>
+          <a:lnRef idx="2">
+            <a:schemeClr val="accent1">
+              <a:shade val="50000"/>
+            </a:schemeClr>
+          </a:lnRef>
+          <a:fillRef idx="1">
+            <a:schemeClr val="accent1"/>
+          </a:fillRef>
+          <a:effectRef idx="0">
+            <a:schemeClr val="accent1"/>
+          </a:effectRef>
+          <a:fontRef idx="minor">
+            <a:schemeClr val="lt1"/>
+          </a:fontRef>
+        </p:style>
+        <p:txBody>
+          <a:bodyPr rtlCol="0" anchor="ctr"/>
+          <a:lstStyle/>
+          <a:p>
+            <a:pPr algn="ctr"/>
+            <a:endParaRPr lang="en-US"/>
+          </a:p>
+        </p:txBody>
+      </p:sp>
+      <p:sp>
+        <p:nvSpPr>
+          <p:cNvPr id="11" name="Rectangle 10"/>
+          <p:cNvSpPr/>
+          <p:nvPr/>
+        </p:nvSpPr>
+        <p:spPr>
+          <a:xfrm>
+            <a:off x="19155027" y="16589654"/>
+            <a:ext cx="4624898" cy="2425558"/>
+          </a:xfrm>
+          <a:prstGeom prst="rect">
+            <a:avLst/>
+          </a:prstGeom>
+          <a:noFill/>
+          <a:ln w="95250">
+            <a:solidFill>
+              <a:schemeClr val="tx1">
+                <a:lumMod val="95000"/>
+                <a:lumOff val="5000"/>
               </a:schemeClr>
-            </a:lnRef>
-            <a:fillRef idx="1">
-              <a:schemeClr val="accent1"/>
-            </a:fillRef>
-            <a:effectRef idx="0">
-              <a:schemeClr val="accent1"/>
-            </a:effectRef>
-            <a:fontRef idx="minor">
-              <a:schemeClr val="lt1"/>
-            </a:fontRef>
-          </p:style>
-          <p:txBody>
-            <a:bodyPr rtlCol="0" anchor="ctr"/>
-            <a:lstStyle/>
-            <a:p>
-              <a:pPr algn="ctr"/>
-              <a:endParaRPr lang="en-US"/>
-            </a:p>
-          </p:txBody>
-        </p:sp>
-        <p:sp>
-          <p:nvSpPr>
-            <p:cNvPr id="11" name="Rectangle 10"/>
-            <p:cNvSpPr/>
-            <p:nvPr/>
-          </p:nvSpPr>
-          <p:spPr>
-            <a:xfrm>
-              <a:off x="19155027" y="16589654"/>
-              <a:ext cx="4624898" cy="2425558"/>
-            </a:xfrm>
-            <a:prstGeom prst="rect">
-              <a:avLst/>
-            </a:prstGeom>
-            <a:noFill/>
-            <a:ln w="95250">
+            </a:solidFill>
+          </a:ln>
+        </p:spPr>
+        <p:style>
+          <a:lnRef idx="2">
+            <a:schemeClr val="accent1">
+              <a:shade val="50000"/>
+            </a:schemeClr>
+          </a:lnRef>
+          <a:fillRef idx="1">
+            <a:schemeClr val="accent1"/>
+          </a:fillRef>
+          <a:effectRef idx="0">
+            <a:schemeClr val="accent1"/>
+          </a:effectRef>
+          <a:fontRef idx="minor">
+            <a:schemeClr val="lt1"/>
+          </a:fontRef>
+        </p:style>
+        <p:txBody>
+          <a:bodyPr rtlCol="0" anchor="ctr"/>
+          <a:lstStyle/>
+          <a:p>
+            <a:pPr algn="ctr"/>
+            <a:r>
+              <a:rPr lang="en-US" sz="4800" dirty="0" smtClean="0">
+                <a:solidFill>
+                  <a:srgbClr val="6A7F10"/>
+                </a:solidFill>
+              </a:rPr>
+              <a:t>RTx </a:t>
+            </a:r>
+          </a:p>
+          <a:p>
+            <a:pPr algn="ctr"/>
+            <a:r>
+              <a:rPr lang="en-US" sz="4800" dirty="0" smtClean="0">
+                <a:solidFill>
+                  <a:srgbClr val="6A7F10"/>
+                </a:solidFill>
+              </a:rPr>
+              <a:t>Controller</a:t>
+            </a:r>
+            <a:endParaRPr lang="en-US" sz="4800" dirty="0">
               <a:solidFill>
-                <a:schemeClr val="tx1">
-                  <a:lumMod val="95000"/>
-                  <a:lumOff val="5000"/>
-                </a:schemeClr>
+                <a:srgbClr val="6A7F10"/>
               </a:solidFill>
-            </a:ln>
-          </p:spPr>
-          <p:style>
-            <a:lnRef idx="2">
-              <a:schemeClr val="accent1">
-                <a:shade val="50000"/>
-              </a:schemeClr>
-            </a:lnRef>
-            <a:fillRef idx="1">
-              <a:schemeClr val="accent1"/>
-            </a:fillRef>
-            <a:effectRef idx="0">
-              <a:schemeClr val="accent1"/>
-            </a:effectRef>
-            <a:fontRef idx="minor">
-              <a:schemeClr val="lt1"/>
-            </a:fontRef>
-          </p:style>
-          <p:txBody>
-            <a:bodyPr rtlCol="0" anchor="ctr"/>
-            <a:lstStyle/>
-            <a:p>
-              <a:pPr algn="ctr"/>
-              <a:r>
-                <a:rPr lang="en-US" sz="4800" dirty="0" smtClean="0">
-                  <a:solidFill>
-                    <a:srgbClr val="6A7F10"/>
-                  </a:solidFill>
-                </a:rPr>
-                <a:t>RTx </a:t>
-              </a:r>
-            </a:p>
-            <a:p>
-              <a:pPr algn="ctr"/>
-              <a:r>
-                <a:rPr lang="en-US" sz="4800" dirty="0" smtClean="0">
-                  <a:solidFill>
-                    <a:srgbClr val="6A7F10"/>
-                  </a:solidFill>
-                </a:rPr>
-                <a:t>Controller</a:t>
-              </a:r>
-              <a:endParaRPr lang="en-US" sz="4800" dirty="0">
-                <a:solidFill>
-                  <a:srgbClr val="6A7F10"/>
-                </a:solidFill>
-              </a:endParaRPr>
-            </a:p>
-          </p:txBody>
-        </p:sp>
-        <p:pic>
-          <p:nvPicPr>
-            <p:cNvPr id="1026" name="Picture 2" descr="C:\Users\Robin\Projects\rocket-tracks\Documentation\poster\Rocket_Tracks_Overall.png"/>
-            <p:cNvPicPr>
-              <a:picLocks noChangeAspect="1" noChangeArrowheads="1"/>
-            </p:cNvPicPr>
-            <p:nvPr/>
-          </p:nvPicPr>
-          <p:blipFill>
-            <a:blip r:embed="rId8" cstate="print">
-              <a:extLst>
-                <a:ext uri="{28A0092B-C50C-407E-A947-70E740481C1C}">
-                  <a14:useLocalDpi xmlns="" xmlns:a14="http://schemas.microsoft.com/office/drawing/2010/main" val="0"/>
-                </a:ext>
-              </a:extLst>
-            </a:blip>
-            <a:srcRect/>
-            <a:stretch>
-              <a:fillRect/>
-            </a:stretch>
-          </p:blipFill>
-          <p:spPr bwMode="auto">
-            <a:xfrm>
-              <a:off x="19707814" y="10548476"/>
-              <a:ext cx="3525850" cy="5533061"/>
-            </a:xfrm>
-            <a:prstGeom prst="rect">
-              <a:avLst/>
-            </a:prstGeom>
-            <a:noFill/>
-            <a:ln>
-              <a:solidFill>
-                <a:schemeClr val="tx1"/>
-              </a:solidFill>
-            </a:ln>
+            </a:endParaRPr>
+          </a:p>
+        </p:txBody>
+      </p:sp>
+      <p:pic>
+        <p:nvPicPr>
+          <p:cNvPr id="1026" name="Picture 2" descr="C:\Users\Robin\Projects\rocket-tracks\Documentation\poster\Rocket_Tracks_Overall.png"/>
+          <p:cNvPicPr>
+            <a:picLocks noChangeAspect="1" noChangeArrowheads="1"/>
+          </p:cNvPicPr>
+          <p:nvPr/>
+        </p:nvPicPr>
+        <p:blipFill>
+          <a:blip r:embed="rId7" cstate="print">
             <a:extLst>
-              <a:ext uri="{909E8E84-426E-40DD-AFC4-6F175D3DCCD1}">
-                <a14:hiddenFill xmlns="" xmlns:a14="http://schemas.microsoft.com/office/drawing/2010/main">
-                  <a:solidFill>
-                    <a:srgbClr val="FFFFFF"/>
-                  </a:solidFill>
-                </a14:hiddenFill>
+              <a:ext uri="{28A0092B-C50C-407E-A947-70E740481C1C}">
+                <a14:useLocalDpi xmlns:a14="http://schemas.microsoft.com/office/drawing/2010/main" val="0"/>
               </a:ext>
             </a:extLst>
-          </p:spPr>
-        </p:pic>
-        <p:pic>
-          <p:nvPicPr>
-            <p:cNvPr id="1027" name="Picture 3" descr="C:\Users\Robin\Projects\rocket-tracks\Documentation\poster\dT87Gbjxc.png"/>
-            <p:cNvPicPr>
-              <a:picLocks noChangeAspect="1" noChangeArrowheads="1"/>
-            </p:cNvPicPr>
-            <p:nvPr/>
-          </p:nvPicPr>
-          <p:blipFill>
-            <a:blip r:embed="rId9" cstate="print">
-              <a:duotone>
-                <a:prstClr val="black"/>
-                <a:srgbClr val="D9C3A5">
-                  <a:tint val="50000"/>
-                  <a:satMod val="180000"/>
-                </a:srgbClr>
-              </a:duotone>
-              <a:extLst>
-                <a:ext uri="{BEBA8EAE-BF5A-486C-A8C5-ECC9F3942E4B}">
-                  <a14:imgProps xmlns="" xmlns:a14="http://schemas.microsoft.com/office/drawing/2010/main">
-                    <a14:imgLayer r:embed="rId10">
-                      <a14:imgEffect>
-                        <a14:saturation sat="400000"/>
-                      </a14:imgEffect>
-                    </a14:imgLayer>
-                  </a14:imgProps>
-                </a:ext>
-                <a:ext uri="{28A0092B-C50C-407E-A947-70E740481C1C}">
-                  <a14:useLocalDpi xmlns="" xmlns:a14="http://schemas.microsoft.com/office/drawing/2010/main" val="0"/>
-                </a:ext>
-              </a:extLst>
-            </a:blip>
-            <a:srcRect/>
-            <a:stretch>
-              <a:fillRect/>
-            </a:stretch>
-          </p:blipFill>
-          <p:spPr bwMode="auto">
-            <a:xfrm>
-              <a:off x="14706600" y="6837738"/>
-              <a:ext cx="3429000" cy="4363662"/>
-            </a:xfrm>
-            <a:prstGeom prst="rect">
-              <a:avLst/>
-            </a:prstGeom>
-            <a:noFill/>
+          </a:blip>
+          <a:srcRect/>
+          <a:stretch>
+            <a:fillRect/>
+          </a:stretch>
+        </p:blipFill>
+        <p:spPr bwMode="auto">
+          <a:xfrm>
+            <a:off x="19707814" y="10370349"/>
+            <a:ext cx="3525850" cy="5533061"/>
+          </a:xfrm>
+          <a:prstGeom prst="rect">
+            <a:avLst/>
+          </a:prstGeom>
+          <a:noFill/>
+          <a:ln w="76200">
+            <a:solidFill>
+              <a:schemeClr val="tx1"/>
+            </a:solidFill>
+          </a:ln>
+          <a:extLst>
+            <a:ext uri="{909E8E84-426E-40DD-AFC4-6F175D3DCCD1}">
+              <a14:hiddenFill xmlns:a14="http://schemas.microsoft.com/office/drawing/2010/main">
+                <a:solidFill>
+                  <a:srgbClr val="FFFFFF"/>
+                </a:solidFill>
+              </a14:hiddenFill>
+            </a:ext>
+          </a:extLst>
+        </p:spPr>
+      </p:pic>
+      <p:pic>
+        <p:nvPicPr>
+          <p:cNvPr id="1027" name="Picture 3" descr="C:\Users\Robin\Projects\rocket-tracks\Documentation\poster\dT87Gbjxc.png"/>
+          <p:cNvPicPr>
+            <a:picLocks noChangeAspect="1" noChangeArrowheads="1"/>
+          </p:cNvPicPr>
+          <p:nvPr/>
+        </p:nvPicPr>
+        <p:blipFill>
+          <a:blip r:embed="rId8" cstate="print">
+            <a:duotone>
+              <a:prstClr val="black"/>
+              <a:srgbClr val="D9C3A5">
+                <a:tint val="50000"/>
+                <a:satMod val="180000"/>
+              </a:srgbClr>
+            </a:duotone>
             <a:extLst>
-              <a:ext uri="{909E8E84-426E-40DD-AFC4-6F175D3DCCD1}">
-                <a14:hiddenFill xmlns="" xmlns:a14="http://schemas.microsoft.com/office/drawing/2010/main">
-                  <a:solidFill>
-                    <a:srgbClr val="FFFFFF"/>
-                  </a:solidFill>
-                </a14:hiddenFill>
+              <a:ext uri="{BEBA8EAE-BF5A-486C-A8C5-ECC9F3942E4B}">
+                <a14:imgProps xmlns:a14="http://schemas.microsoft.com/office/drawing/2010/main">
+                  <a14:imgLayer r:embed="rId9">
+                    <a14:imgEffect>
+                      <a14:saturation sat="400000"/>
+                    </a14:imgEffect>
+                  </a14:imgLayer>
+                </a14:imgProps>
+              </a:ext>
+              <a:ext uri="{28A0092B-C50C-407E-A947-70E740481C1C}">
+                <a14:useLocalDpi xmlns:a14="http://schemas.microsoft.com/office/drawing/2010/main" val="0"/>
               </a:ext>
             </a:extLst>
-          </p:spPr>
-        </p:pic>
-        <p:cxnSp>
-          <p:nvCxnSpPr>
-            <p:cNvPr id="13" name="Straight Connector 12"/>
-            <p:cNvCxnSpPr/>
-            <p:nvPr/>
-          </p:nvCxnSpPr>
-          <p:spPr>
-            <a:xfrm flipH="1" flipV="1">
-              <a:off x="19122329" y="8839149"/>
-              <a:ext cx="1434154" cy="1709326"/>
-            </a:xfrm>
-            <a:prstGeom prst="line">
-              <a:avLst/>
-            </a:prstGeom>
-            <a:ln w="85725">
+          </a:blip>
+          <a:srcRect/>
+          <a:stretch>
+            <a:fillRect/>
+          </a:stretch>
+        </p:blipFill>
+        <p:spPr bwMode="auto">
+          <a:xfrm>
+            <a:off x="14859000" y="6825656"/>
+            <a:ext cx="3429000" cy="4363662"/>
+          </a:xfrm>
+          <a:prstGeom prst="rect">
+            <a:avLst/>
+          </a:prstGeom>
+          <a:noFill/>
+          <a:extLst>
+            <a:ext uri="{909E8E84-426E-40DD-AFC4-6F175D3DCCD1}">
+              <a14:hiddenFill xmlns:a14="http://schemas.microsoft.com/office/drawing/2010/main">
+                <a:solidFill>
+                  <a:srgbClr val="FFFFFF"/>
+                </a:solidFill>
+              </a14:hiddenFill>
+            </a:ext>
+          </a:extLst>
+        </p:spPr>
+      </p:pic>
+      <p:cxnSp>
+        <p:nvCxnSpPr>
+          <p:cNvPr id="40" name="Straight Connector 39"/>
+          <p:cNvCxnSpPr>
+            <a:stCxn id="1026" idx="2"/>
+          </p:cNvCxnSpPr>
+          <p:nvPr/>
+        </p:nvCxnSpPr>
+        <p:spPr>
+          <a:xfrm flipH="1">
+            <a:off x="21467476" y="15903410"/>
+            <a:ext cx="3263" cy="686244"/>
+          </a:xfrm>
+          <a:prstGeom prst="line">
+            <a:avLst/>
+          </a:prstGeom>
+          <a:ln w="85725">
+            <a:solidFill>
+              <a:schemeClr val="tx1">
+                <a:lumMod val="95000"/>
+                <a:lumOff val="5000"/>
+              </a:schemeClr>
+            </a:solidFill>
+            <a:prstDash val="sysDash"/>
+          </a:ln>
+        </p:spPr>
+        <p:style>
+          <a:lnRef idx="1">
+            <a:schemeClr val="accent1"/>
+          </a:lnRef>
+          <a:fillRef idx="0">
+            <a:schemeClr val="accent1"/>
+          </a:fillRef>
+          <a:effectRef idx="0">
+            <a:schemeClr val="accent1"/>
+          </a:effectRef>
+          <a:fontRef idx="minor">
+            <a:schemeClr val="tx1"/>
+          </a:fontRef>
+        </p:style>
+      </p:cxnSp>
+      <p:sp>
+        <p:nvSpPr>
+          <p:cNvPr id="44" name="Rectangle 43"/>
+          <p:cNvSpPr/>
+          <p:nvPr/>
+        </p:nvSpPr>
+        <p:spPr>
+          <a:xfrm>
+            <a:off x="15897956" y="19659600"/>
+            <a:ext cx="4624898" cy="2425558"/>
+          </a:xfrm>
+          <a:prstGeom prst="rect">
+            <a:avLst/>
+          </a:prstGeom>
+          <a:noFill/>
+          <a:ln w="95250">
+            <a:solidFill>
+              <a:schemeClr val="tx1">
+                <a:lumMod val="95000"/>
+                <a:lumOff val="5000"/>
+              </a:schemeClr>
+            </a:solidFill>
+          </a:ln>
+        </p:spPr>
+        <p:style>
+          <a:lnRef idx="2">
+            <a:schemeClr val="accent1">
+              <a:shade val="50000"/>
+            </a:schemeClr>
+          </a:lnRef>
+          <a:fillRef idx="1">
+            <a:schemeClr val="accent1"/>
+          </a:fillRef>
+          <a:effectRef idx="0">
+            <a:schemeClr val="accent1"/>
+          </a:effectRef>
+          <a:fontRef idx="minor">
+            <a:schemeClr val="lt1"/>
+          </a:fontRef>
+        </p:style>
+        <p:txBody>
+          <a:bodyPr rtlCol="0" anchor="ctr"/>
+          <a:lstStyle/>
+          <a:p>
+            <a:pPr algn="ctr"/>
+            <a:r>
+              <a:rPr lang="en-US" sz="4800" dirty="0" smtClean="0">
+                <a:solidFill>
+                  <a:srgbClr val="6A7F10"/>
+                </a:solidFill>
+              </a:rPr>
+              <a:t>Manual</a:t>
+            </a:r>
+          </a:p>
+          <a:p>
+            <a:pPr algn="ctr"/>
+            <a:r>
+              <a:rPr lang="en-US" sz="4800" dirty="0" smtClean="0">
+                <a:solidFill>
+                  <a:srgbClr val="6A7F10"/>
+                </a:solidFill>
+              </a:rPr>
+              <a:t> Control</a:t>
+            </a:r>
+            <a:endParaRPr lang="en-US" sz="4800" dirty="0">
               <a:solidFill>
-                <a:schemeClr val="tx1">
-                  <a:lumMod val="95000"/>
-                  <a:lumOff val="5000"/>
-                </a:schemeClr>
+                <a:srgbClr val="6A7F10"/>
               </a:solidFill>
-              <a:prstDash val="sysDash"/>
-            </a:ln>
-          </p:spPr>
-          <p:style>
-            <a:lnRef idx="1">
-              <a:schemeClr val="accent1"/>
-            </a:lnRef>
-            <a:fillRef idx="0">
-              <a:schemeClr val="accent1"/>
-            </a:fillRef>
-            <a:effectRef idx="0">
-              <a:schemeClr val="accent1"/>
-            </a:effectRef>
-            <a:fontRef idx="minor">
-              <a:schemeClr val="tx1"/>
-            </a:fontRef>
-          </p:style>
-        </p:cxnSp>
-        <p:cxnSp>
-          <p:nvCxnSpPr>
-            <p:cNvPr id="40" name="Straight Connector 39"/>
-            <p:cNvCxnSpPr/>
-            <p:nvPr/>
-          </p:nvCxnSpPr>
-          <p:spPr>
-            <a:xfrm>
-              <a:off x="21467476" y="15544800"/>
-              <a:ext cx="0" cy="1044854"/>
-            </a:xfrm>
-            <a:prstGeom prst="line">
-              <a:avLst/>
-            </a:prstGeom>
-            <a:ln w="85725">
-              <a:solidFill>
-                <a:schemeClr val="tx1">
-                  <a:lumMod val="95000"/>
-                  <a:lumOff val="5000"/>
-                </a:schemeClr>
-              </a:solidFill>
-              <a:prstDash val="sysDash"/>
-            </a:ln>
-          </p:spPr>
-          <p:style>
-            <a:lnRef idx="1">
-              <a:schemeClr val="accent1"/>
-            </a:lnRef>
-            <a:fillRef idx="0">
-              <a:schemeClr val="accent1"/>
-            </a:fillRef>
-            <a:effectRef idx="0">
-              <a:schemeClr val="accent1"/>
-            </a:effectRef>
-            <a:fontRef idx="minor">
-              <a:schemeClr val="tx1"/>
-            </a:fontRef>
-          </p:style>
-        </p:cxnSp>
-        <p:sp>
-          <p:nvSpPr>
-            <p:cNvPr id="44" name="Rectangle 43"/>
-            <p:cNvSpPr/>
-            <p:nvPr/>
-          </p:nvSpPr>
-          <p:spPr>
-            <a:xfrm>
-              <a:off x="15897956" y="19659600"/>
-              <a:ext cx="4624898" cy="2425558"/>
-            </a:xfrm>
-            <a:prstGeom prst="rect">
-              <a:avLst/>
-            </a:prstGeom>
-            <a:noFill/>
-            <a:ln w="95250">
-              <a:solidFill>
-                <a:schemeClr val="tx1">
-                  <a:lumMod val="95000"/>
-                  <a:lumOff val="5000"/>
-                </a:schemeClr>
-              </a:solidFill>
-            </a:ln>
-          </p:spPr>
-          <p:style>
-            <a:lnRef idx="2">
-              <a:schemeClr val="accent1">
-                <a:shade val="50000"/>
+            </a:endParaRPr>
+          </a:p>
+        </p:txBody>
+      </p:sp>
+      <p:cxnSp>
+        <p:nvCxnSpPr>
+          <p:cNvPr id="47" name="Straight Connector 46"/>
+          <p:cNvCxnSpPr/>
+          <p:nvPr/>
+        </p:nvCxnSpPr>
+        <p:spPr>
+          <a:xfrm flipV="1">
+            <a:off x="17983200" y="18636831"/>
+            <a:ext cx="1171827" cy="1022769"/>
+          </a:xfrm>
+          <a:prstGeom prst="line">
+            <a:avLst/>
+          </a:prstGeom>
+          <a:ln w="85725">
+            <a:solidFill>
+              <a:schemeClr val="tx1">
+                <a:lumMod val="95000"/>
+                <a:lumOff val="5000"/>
               </a:schemeClr>
-            </a:lnRef>
-            <a:fillRef idx="1">
-              <a:schemeClr val="accent1"/>
-            </a:fillRef>
-            <a:effectRef idx="0">
-              <a:schemeClr val="accent1"/>
-            </a:effectRef>
-            <a:fontRef idx="minor">
-              <a:schemeClr val="lt1"/>
-            </a:fontRef>
-          </p:style>
-          <p:txBody>
-            <a:bodyPr rtlCol="0" anchor="ctr"/>
-            <a:lstStyle/>
-            <a:p>
-              <a:pPr algn="ctr"/>
-              <a:r>
-                <a:rPr lang="en-US" sz="4800" dirty="0" smtClean="0">
-                  <a:solidFill>
-                    <a:srgbClr val="6A7F10"/>
-                  </a:solidFill>
-                </a:rPr>
-                <a:t>Manual</a:t>
-              </a:r>
-            </a:p>
-            <a:p>
-              <a:pPr algn="ctr"/>
-              <a:r>
-                <a:rPr lang="en-US" sz="4800" dirty="0" smtClean="0">
-                  <a:solidFill>
-                    <a:srgbClr val="6A7F10"/>
-                  </a:solidFill>
-                </a:rPr>
-                <a:t> Control</a:t>
-              </a:r>
-              <a:endParaRPr lang="en-US" sz="4800" dirty="0">
-                <a:solidFill>
-                  <a:srgbClr val="6A7F10"/>
-                </a:solidFill>
-              </a:endParaRPr>
-            </a:p>
-          </p:txBody>
-        </p:sp>
-        <p:sp>
-          <p:nvSpPr>
-            <p:cNvPr id="45" name="Rectangle 44"/>
-            <p:cNvSpPr/>
-            <p:nvPr/>
-          </p:nvSpPr>
-          <p:spPr>
-            <a:xfrm>
-              <a:off x="22070999" y="19659600"/>
-              <a:ext cx="4624898" cy="2425558"/>
-            </a:xfrm>
-            <a:prstGeom prst="rect">
-              <a:avLst/>
-            </a:prstGeom>
-            <a:noFill/>
-            <a:ln w="95250">
-              <a:solidFill>
-                <a:schemeClr val="tx1">
-                  <a:lumMod val="95000"/>
-                  <a:lumOff val="5000"/>
-                </a:schemeClr>
-              </a:solidFill>
-            </a:ln>
-          </p:spPr>
-          <p:style>
-            <a:lnRef idx="2">
-              <a:schemeClr val="accent1">
-                <a:shade val="50000"/>
-              </a:schemeClr>
-            </a:lnRef>
-            <a:fillRef idx="1">
-              <a:schemeClr val="accent1"/>
-            </a:fillRef>
-            <a:effectRef idx="0">
-              <a:schemeClr val="accent1"/>
-            </a:effectRef>
-            <a:fontRef idx="minor">
-              <a:schemeClr val="lt1"/>
-            </a:fontRef>
-          </p:style>
-          <p:txBody>
-            <a:bodyPr rtlCol="0" anchor="ctr"/>
-            <a:lstStyle/>
-            <a:p>
-              <a:pPr algn="ctr"/>
-              <a:endParaRPr lang="en-US" sz="4800" dirty="0" smtClean="0">
-                <a:solidFill>
-                  <a:srgbClr val="6A7F10"/>
-                </a:solidFill>
-              </a:endParaRPr>
-            </a:p>
-          </p:txBody>
-        </p:sp>
-        <p:cxnSp>
-          <p:nvCxnSpPr>
-            <p:cNvPr id="47" name="Straight Connector 46"/>
-            <p:cNvCxnSpPr/>
-            <p:nvPr/>
-          </p:nvCxnSpPr>
-          <p:spPr>
-            <a:xfrm flipV="1">
-              <a:off x="17983200" y="18636831"/>
-              <a:ext cx="1171827" cy="1022769"/>
-            </a:xfrm>
-            <a:prstGeom prst="line">
-              <a:avLst/>
-            </a:prstGeom>
-            <a:ln w="85725">
-              <a:solidFill>
-                <a:schemeClr val="tx1">
-                  <a:lumMod val="95000"/>
-                  <a:lumOff val="5000"/>
-                </a:schemeClr>
-              </a:solidFill>
-              <a:prstDash val="sysDash"/>
-            </a:ln>
-          </p:spPr>
-          <p:style>
-            <a:lnRef idx="1">
-              <a:schemeClr val="accent1"/>
-            </a:lnRef>
-            <a:fillRef idx="0">
-              <a:schemeClr val="accent1"/>
-            </a:fillRef>
-            <a:effectRef idx="0">
-              <a:schemeClr val="accent1"/>
-            </a:effectRef>
-            <a:fontRef idx="minor">
-              <a:schemeClr val="tx1"/>
-            </a:fontRef>
-          </p:style>
-        </p:cxnSp>
-        <p:pic>
-          <p:nvPicPr>
-            <p:cNvPr id="1028" name="Picture 4" descr="C:\Users\Robin\Projects\rocket-tracks\Documentation\poster\MiLLqBK9T.jpeg"/>
-            <p:cNvPicPr>
-              <a:picLocks noChangeAspect="1" noChangeArrowheads="1"/>
-            </p:cNvPicPr>
-            <p:nvPr/>
-          </p:nvPicPr>
-          <p:blipFill>
-            <a:blip r:embed="rId11" cstate="print">
-              <a:extLst>
-                <a:ext uri="{28A0092B-C50C-407E-A947-70E740481C1C}">
-                  <a14:useLocalDpi xmlns="" xmlns:a14="http://schemas.microsoft.com/office/drawing/2010/main" val="0"/>
-                </a:ext>
-              </a:extLst>
-            </a:blip>
-            <a:srcRect/>
-            <a:stretch>
-              <a:fillRect/>
-            </a:stretch>
-          </p:blipFill>
-          <p:spPr bwMode="auto">
-            <a:xfrm rot="3662278">
-              <a:off x="18178507" y="8134175"/>
-              <a:ext cx="1832304" cy="1409948"/>
-            </a:xfrm>
-            <a:prstGeom prst="rect">
-              <a:avLst/>
-            </a:prstGeom>
-            <a:noFill/>
+            </a:solidFill>
+            <a:prstDash val="sysDash"/>
+          </a:ln>
+        </p:spPr>
+        <p:style>
+          <a:lnRef idx="1">
+            <a:schemeClr val="accent1"/>
+          </a:lnRef>
+          <a:fillRef idx="0">
+            <a:schemeClr val="accent1"/>
+          </a:fillRef>
+          <a:effectRef idx="0">
+            <a:schemeClr val="accent1"/>
+          </a:effectRef>
+          <a:fontRef idx="minor">
+            <a:schemeClr val="tx1"/>
+          </a:fontRef>
+        </p:style>
+      </p:cxnSp>
+      <p:pic>
+        <p:nvPicPr>
+          <p:cNvPr id="1028" name="Picture 4" descr="C:\Users\Robin\Projects\rocket-tracks\Documentation\poster\MiLLqBK9T.jpeg"/>
+          <p:cNvPicPr>
+            <a:picLocks noChangeAspect="1" noChangeArrowheads="1"/>
+          </p:cNvPicPr>
+          <p:nvPr/>
+        </p:nvPicPr>
+        <p:blipFill>
+          <a:blip r:embed="rId10" cstate="print">
             <a:extLst>
-              <a:ext uri="{909E8E84-426E-40DD-AFC4-6F175D3DCCD1}">
-                <a14:hiddenFill xmlns="" xmlns:a14="http://schemas.microsoft.com/office/drawing/2010/main">
-                  <a:solidFill>
-                    <a:srgbClr val="FFFFFF"/>
-                  </a:solidFill>
-                </a14:hiddenFill>
+              <a:ext uri="{28A0092B-C50C-407E-A947-70E740481C1C}">
+                <a14:useLocalDpi xmlns:a14="http://schemas.microsoft.com/office/drawing/2010/main" val="0"/>
               </a:ext>
             </a:extLst>
-          </p:spPr>
-        </p:pic>
-        <p:cxnSp>
-          <p:nvCxnSpPr>
-            <p:cNvPr id="56" name="Straight Connector 55"/>
-            <p:cNvCxnSpPr/>
-            <p:nvPr/>
-          </p:nvCxnSpPr>
-          <p:spPr>
-            <a:xfrm flipH="1" flipV="1">
-              <a:off x="23811484" y="18592800"/>
-              <a:ext cx="1410716" cy="1098969"/>
-            </a:xfrm>
-            <a:prstGeom prst="line">
-              <a:avLst/>
-            </a:prstGeom>
-            <a:ln w="85725">
-              <a:solidFill>
-                <a:schemeClr val="tx1">
-                  <a:lumMod val="95000"/>
-                  <a:lumOff val="5000"/>
-                </a:schemeClr>
-              </a:solidFill>
-              <a:prstDash val="sysDash"/>
-            </a:ln>
-          </p:spPr>
-          <p:style>
-            <a:lnRef idx="1">
-              <a:schemeClr val="accent1"/>
-            </a:lnRef>
-            <a:fillRef idx="0">
-              <a:schemeClr val="accent1"/>
-            </a:fillRef>
-            <a:effectRef idx="0">
-              <a:schemeClr val="accent1"/>
-            </a:effectRef>
-            <a:fontRef idx="minor">
-              <a:schemeClr val="tx1"/>
-            </a:fontRef>
-          </p:style>
-        </p:cxnSp>
-        <p:pic>
-          <p:nvPicPr>
-            <p:cNvPr id="1039" name="Picture 7" descr="C:\Users\Robin\Projects\rocket-tracks\Documentation\poster\illustration0046.jpg"/>
-            <p:cNvPicPr>
-              <a:picLocks noChangeAspect="1" noChangeArrowheads="1"/>
-            </p:cNvPicPr>
-            <p:nvPr/>
-          </p:nvPicPr>
-          <p:blipFill>
-            <a:blip r:embed="rId12" cstate="print">
-              <a:extLst>
-                <a:ext uri="{28A0092B-C50C-407E-A947-70E740481C1C}">
-                  <a14:useLocalDpi xmlns="" xmlns:a14="http://schemas.microsoft.com/office/drawing/2010/main" val="0"/>
-                </a:ext>
-              </a:extLst>
-            </a:blip>
-            <a:srcRect/>
-            <a:stretch>
-              <a:fillRect/>
-            </a:stretch>
-          </p:blipFill>
-          <p:spPr bwMode="auto">
-            <a:xfrm>
-              <a:off x="20794108" y="22860000"/>
-              <a:ext cx="1697341" cy="3035500"/>
-            </a:xfrm>
-            <a:prstGeom prst="rect">
-              <a:avLst/>
-            </a:prstGeom>
-            <a:noFill/>
+          </a:blip>
+          <a:srcRect/>
+          <a:stretch>
+            <a:fillRect/>
+          </a:stretch>
+        </p:blipFill>
+        <p:spPr bwMode="auto">
+          <a:xfrm rot="3662278">
+            <a:off x="18178507" y="8134175"/>
+            <a:ext cx="1832304" cy="1409948"/>
+          </a:xfrm>
+          <a:prstGeom prst="rect">
+            <a:avLst/>
+          </a:prstGeom>
+          <a:noFill/>
+          <a:extLst>
+            <a:ext uri="{909E8E84-426E-40DD-AFC4-6F175D3DCCD1}">
+              <a14:hiddenFill xmlns:a14="http://schemas.microsoft.com/office/drawing/2010/main">
+                <a:solidFill>
+                  <a:srgbClr val="FFFFFF"/>
+                </a:solidFill>
+              </a14:hiddenFill>
+            </a:ext>
+          </a:extLst>
+        </p:spPr>
+      </p:pic>
+      <p:cxnSp>
+        <p:nvCxnSpPr>
+          <p:cNvPr id="56" name="Straight Connector 55"/>
+          <p:cNvCxnSpPr/>
+          <p:nvPr/>
+        </p:nvCxnSpPr>
+        <p:spPr>
+          <a:xfrm flipH="1" flipV="1">
+            <a:off x="23811484" y="18592801"/>
+            <a:ext cx="1410716" cy="1066799"/>
+          </a:xfrm>
+          <a:prstGeom prst="line">
+            <a:avLst/>
+          </a:prstGeom>
+          <a:ln w="85725">
+            <a:solidFill>
+              <a:schemeClr val="tx1">
+                <a:lumMod val="95000"/>
+                <a:lumOff val="5000"/>
+              </a:schemeClr>
+            </a:solidFill>
+            <a:prstDash val="sysDash"/>
+          </a:ln>
+        </p:spPr>
+        <p:style>
+          <a:lnRef idx="1">
+            <a:schemeClr val="accent1"/>
+          </a:lnRef>
+          <a:fillRef idx="0">
+            <a:schemeClr val="accent1"/>
+          </a:fillRef>
+          <a:effectRef idx="0">
+            <a:schemeClr val="accent1"/>
+          </a:effectRef>
+          <a:fontRef idx="minor">
+            <a:schemeClr val="tx1"/>
+          </a:fontRef>
+        </p:style>
+      </p:cxnSp>
+      <p:pic>
+        <p:nvPicPr>
+          <p:cNvPr id="1039" name="Picture 7" descr="C:\Users\Robin\Projects\rocket-tracks\Documentation\poster\illustration0046.jpg"/>
+          <p:cNvPicPr>
+            <a:picLocks noChangeAspect="1" noChangeArrowheads="1"/>
+          </p:cNvPicPr>
+          <p:nvPr/>
+        </p:nvPicPr>
+        <p:blipFill>
+          <a:blip r:embed="rId11" cstate="print">
             <a:extLst>
-              <a:ext uri="{909E8E84-426E-40DD-AFC4-6F175D3DCCD1}">
-                <a14:hiddenFill xmlns="" xmlns:a14="http://schemas.microsoft.com/office/drawing/2010/main">
-                  <a:solidFill>
-                    <a:srgbClr val="FFFFFF"/>
-                  </a:solidFill>
-                </a14:hiddenFill>
+              <a:ext uri="{28A0092B-C50C-407E-A947-70E740481C1C}">
+                <a14:useLocalDpi xmlns:a14="http://schemas.microsoft.com/office/drawing/2010/main" val="0"/>
               </a:ext>
             </a:extLst>
-          </p:spPr>
-        </p:pic>
-        <p:sp>
-          <p:nvSpPr>
-            <p:cNvPr id="130" name="Freeform 129"/>
-            <p:cNvSpPr/>
-            <p:nvPr/>
-          </p:nvSpPr>
-          <p:spPr>
-            <a:xfrm rot="6226837" flipH="1">
-              <a:off x="26157841" y="21047041"/>
-              <a:ext cx="2681926" cy="1932467"/>
-            </a:xfrm>
-            <a:custGeom>
-              <a:avLst/>
-              <a:gdLst>
-                <a:gd name="connsiteX0" fmla="*/ 0 w 9090211"/>
-                <a:gd name="connsiteY0" fmla="*/ 548597 h 14587327"/>
-                <a:gd name="connsiteX1" fmla="*/ 7315200 w 9090211"/>
-                <a:gd name="connsiteY1" fmla="*/ 1678150 h 14587327"/>
-                <a:gd name="connsiteX2" fmla="*/ 9090211 w 9090211"/>
-                <a:gd name="connsiteY2" fmla="*/ 14587327 h 14587327"/>
-              </a:gdLst>
-              <a:ahLst/>
-              <a:cxnLst>
-                <a:cxn ang="0">
-                  <a:pos x="connsiteX0" y="connsiteY0"/>
-                </a:cxn>
-                <a:cxn ang="0">
-                  <a:pos x="connsiteX1" y="connsiteY1"/>
-                </a:cxn>
-                <a:cxn ang="0">
-                  <a:pos x="connsiteX2" y="connsiteY2"/>
-                </a:cxn>
-              </a:cxnLst>
-              <a:rect l="l" t="t" r="r" b="b"/>
-              <a:pathLst>
-                <a:path w="9090211" h="14587327">
-                  <a:moveTo>
-                    <a:pt x="0" y="548597"/>
-                  </a:moveTo>
-                  <a:cubicBezTo>
-                    <a:pt x="2900082" y="-56521"/>
-                    <a:pt x="5800165" y="-661638"/>
-                    <a:pt x="7315200" y="1678150"/>
-                  </a:cubicBezTo>
-                  <a:cubicBezTo>
-                    <a:pt x="8830235" y="4017938"/>
-                    <a:pt x="8543364" y="12695774"/>
-                    <a:pt x="9090211" y="14587327"/>
-                  </a:cubicBezTo>
-                </a:path>
-              </a:pathLst>
-            </a:custGeom>
-            <a:noFill/>
-            <a:ln w="85725">
-              <a:headEnd w="lg" len="lg"/>
-              <a:tailEnd type="triangle" w="lg" len="lg"/>
-            </a:ln>
-          </p:spPr>
-          <p:style>
-            <a:lnRef idx="2">
-              <a:schemeClr val="accent1">
-                <a:shade val="50000"/>
-              </a:schemeClr>
-            </a:lnRef>
-            <a:fillRef idx="1">
-              <a:schemeClr val="accent1"/>
-            </a:fillRef>
-            <a:effectRef idx="0">
-              <a:schemeClr val="accent1"/>
-            </a:effectRef>
-            <a:fontRef idx="minor">
-              <a:schemeClr val="lt1"/>
-            </a:fontRef>
-          </p:style>
-          <p:txBody>
-            <a:bodyPr rtlCol="0" anchor="ctr"/>
-            <a:lstStyle/>
-            <a:p>
-              <a:pPr algn="ctr"/>
-              <a:endParaRPr lang="en-US"/>
-            </a:p>
-          </p:txBody>
-        </p:sp>
-      </p:grpSp>
+          </a:blip>
+          <a:srcRect/>
+          <a:stretch>
+            <a:fillRect/>
+          </a:stretch>
+        </p:blipFill>
+        <p:spPr bwMode="auto">
+          <a:xfrm>
+            <a:off x="20794108" y="22860000"/>
+            <a:ext cx="1697341" cy="3035500"/>
+          </a:xfrm>
+          <a:prstGeom prst="rect">
+            <a:avLst/>
+          </a:prstGeom>
+          <a:noFill/>
+          <a:extLst>
+            <a:ext uri="{909E8E84-426E-40DD-AFC4-6F175D3DCCD1}">
+              <a14:hiddenFill xmlns:a14="http://schemas.microsoft.com/office/drawing/2010/main">
+                <a:solidFill>
+                  <a:srgbClr val="FFFFFF"/>
+                </a:solidFill>
+              </a14:hiddenFill>
+            </a:ext>
+          </a:extLst>
+        </p:spPr>
+      </p:pic>
+      <p:sp>
+        <p:nvSpPr>
+          <p:cNvPr id="130" name="Freeform 129"/>
+          <p:cNvSpPr/>
+          <p:nvPr/>
+        </p:nvSpPr>
+        <p:spPr>
+          <a:xfrm rot="6226837" flipH="1">
+            <a:off x="26157841" y="21047041"/>
+            <a:ext cx="2681926" cy="1932467"/>
+          </a:xfrm>
+          <a:custGeom>
+            <a:avLst/>
+            <a:gdLst>
+              <a:gd name="connsiteX0" fmla="*/ 0 w 9090211"/>
+              <a:gd name="connsiteY0" fmla="*/ 548597 h 14587327"/>
+              <a:gd name="connsiteX1" fmla="*/ 7315200 w 9090211"/>
+              <a:gd name="connsiteY1" fmla="*/ 1678150 h 14587327"/>
+              <a:gd name="connsiteX2" fmla="*/ 9090211 w 9090211"/>
+              <a:gd name="connsiteY2" fmla="*/ 14587327 h 14587327"/>
+            </a:gdLst>
+            <a:ahLst/>
+            <a:cxnLst>
+              <a:cxn ang="0">
+                <a:pos x="connsiteX0" y="connsiteY0"/>
+              </a:cxn>
+              <a:cxn ang="0">
+                <a:pos x="connsiteX1" y="connsiteY1"/>
+              </a:cxn>
+              <a:cxn ang="0">
+                <a:pos x="connsiteX2" y="connsiteY2"/>
+              </a:cxn>
+            </a:cxnLst>
+            <a:rect l="l" t="t" r="r" b="b"/>
+            <a:pathLst>
+              <a:path w="9090211" h="14587327">
+                <a:moveTo>
+                  <a:pt x="0" y="548597"/>
+                </a:moveTo>
+                <a:cubicBezTo>
+                  <a:pt x="2900082" y="-56521"/>
+                  <a:pt x="5800165" y="-661638"/>
+                  <a:pt x="7315200" y="1678150"/>
+                </a:cubicBezTo>
+                <a:cubicBezTo>
+                  <a:pt x="8830235" y="4017938"/>
+                  <a:pt x="8543364" y="12695774"/>
+                  <a:pt x="9090211" y="14587327"/>
+                </a:cubicBezTo>
+              </a:path>
+            </a:pathLst>
+          </a:custGeom>
+          <a:noFill/>
+          <a:ln w="85725">
+            <a:headEnd w="lg" len="lg"/>
+            <a:tailEnd type="triangle" w="lg" len="lg"/>
+          </a:ln>
+        </p:spPr>
+        <p:style>
+          <a:lnRef idx="2">
+            <a:schemeClr val="accent1">
+              <a:shade val="50000"/>
+            </a:schemeClr>
+          </a:lnRef>
+          <a:fillRef idx="1">
+            <a:schemeClr val="accent1"/>
+          </a:fillRef>
+          <a:effectRef idx="0">
+            <a:schemeClr val="accent1"/>
+          </a:effectRef>
+          <a:fontRef idx="minor">
+            <a:schemeClr val="lt1"/>
+          </a:fontRef>
+        </p:style>
+        <p:txBody>
+          <a:bodyPr rtlCol="0" anchor="ctr"/>
+          <a:lstStyle/>
+          <a:p>
+            <a:pPr algn="ctr"/>
+            <a:endParaRPr lang="en-US"/>
+          </a:p>
+        </p:txBody>
+      </p:sp>
       <p:sp>
         <p:nvSpPr>
           <p:cNvPr id="113" name="Rounded Rectangle 112"/>
@@ -5697,52 +5423,7 @@
                   </a:solidFill>
                   <a:latin typeface="Calibri" panose="020F0502020204030204" pitchFamily="34" charset="0"/>
                 </a:rPr>
-                <a:t>User can adjust the </a:t>
-              </a:r>
-              <a:r>
-                <a:rPr lang="en-US" sz="3600" dirty="0" smtClean="0">
-                  <a:solidFill>
-                    <a:schemeClr val="tx1"/>
-                  </a:solidFill>
-                  <a:latin typeface="Calibri" panose="020F0502020204030204" pitchFamily="34" charset="0"/>
-                </a:rPr>
-                <a:t>direction that </a:t>
-              </a:r>
-              <a:r>
-                <a:rPr lang="en-US" sz="3600" dirty="0" smtClean="0">
-                  <a:solidFill>
-                    <a:schemeClr val="tx1"/>
-                  </a:solidFill>
-                  <a:latin typeface="Calibri" panose="020F0502020204030204" pitchFamily="34" charset="0"/>
-                </a:rPr>
-                <a:t>RocketTracks points by turning two nobs corresponding </a:t>
-              </a:r>
-              <a:r>
-                <a:rPr lang="en-US" sz="3600" dirty="0" smtClean="0">
-                  <a:solidFill>
-                    <a:schemeClr val="tx1"/>
-                  </a:solidFill>
-                  <a:latin typeface="Calibri" panose="020F0502020204030204" pitchFamily="34" charset="0"/>
-                </a:rPr>
-                <a:t>to the </a:t>
-              </a:r>
-              <a:r>
-                <a:rPr lang="en-US" sz="3600" dirty="0" smtClean="0">
-                  <a:solidFill>
-                    <a:schemeClr val="tx1"/>
-                  </a:solidFill>
-                  <a:latin typeface="Calibri" panose="020F0502020204030204" pitchFamily="34" charset="0"/>
-                </a:rPr>
-                <a:t>horizontal and vertical a</a:t>
-              </a:r>
-              <a:r>
-                <a:rPr lang="en-US" sz="3600" dirty="0" smtClean="0">
-                  <a:solidFill>
-                    <a:schemeClr val="tx1"/>
-                  </a:solidFill>
-                  <a:latin typeface="Calibri" panose="020F0502020204030204" pitchFamily="34" charset="0"/>
-                </a:rPr>
-                <a:t>xes</a:t>
+                <a:t>User can adjust the direction that RocketTracks points by turning two nobs corresponding to the horizontal and vertical axes</a:t>
               </a:r>
               <a:endParaRPr lang="en-US" sz="3600" dirty="0">
                 <a:solidFill>
@@ -5837,41 +5518,8 @@
                   </a:solidFill>
                   <a:latin typeface="Calibri" panose="020F0502020204030204" pitchFamily="34" charset="0"/>
                 </a:rPr>
-                <a:t> Camera provides feedback to </a:t>
+                <a:t> Camera provides feedback to Sightline® as to position of the object.</a:t>
               </a:r>
-              <a:r>
-                <a:rPr lang="en-US" sz="3600" dirty="0" smtClean="0">
-                  <a:solidFill>
-                    <a:schemeClr val="tx1"/>
-                  </a:solidFill>
-                  <a:latin typeface="Calibri" panose="020F0502020204030204" pitchFamily="34" charset="0"/>
-                </a:rPr>
-                <a:t>Sightline® as </a:t>
-              </a:r>
-              <a:r>
-                <a:rPr lang="en-US" sz="3600" dirty="0" smtClean="0">
-                  <a:solidFill>
-                    <a:schemeClr val="tx1"/>
-                  </a:solidFill>
-                  <a:latin typeface="Calibri" panose="020F0502020204030204" pitchFamily="34" charset="0"/>
-                </a:rPr>
-                <a:t>to position of </a:t>
-              </a:r>
-              <a:r>
-                <a:rPr lang="en-US" sz="3600" dirty="0" smtClean="0">
-                  <a:solidFill>
-                    <a:schemeClr val="tx1"/>
-                  </a:solidFill>
-                  <a:latin typeface="Calibri" panose="020F0502020204030204" pitchFamily="34" charset="0"/>
-                </a:rPr>
-                <a:t>the object.</a:t>
-              </a:r>
-              <a:endParaRPr lang="en-US" sz="3600" dirty="0" smtClean="0">
-                <a:solidFill>
-                  <a:schemeClr val="tx1"/>
-                </a:solidFill>
-                <a:latin typeface="Calibri" panose="020F0502020204030204" pitchFamily="34" charset="0"/>
-              </a:endParaRPr>
             </a:p>
             <a:p>
               <a:pPr marL="571500" indent="-571500" algn="ctr">
@@ -5885,25 +5533,7 @@
                   </a:solidFill>
                   <a:latin typeface="Calibri" panose="020F0502020204030204" pitchFamily="34" charset="0"/>
                 </a:rPr>
-                <a:t>RTx Controller adjusts </a:t>
-              </a:r>
-              <a:r>
-                <a:rPr lang="en-US" sz="3600" dirty="0" smtClean="0">
-                  <a:solidFill>
-                    <a:schemeClr val="tx1"/>
-                  </a:solidFill>
-                  <a:latin typeface="Calibri" panose="020F0502020204030204" pitchFamily="34" charset="0"/>
-                </a:rPr>
-                <a:t>mechanical position </a:t>
-              </a:r>
-              <a:r>
-                <a:rPr lang="en-US" sz="3600" dirty="0" smtClean="0">
-                  <a:solidFill>
-                    <a:schemeClr val="tx1"/>
-                  </a:solidFill>
-                  <a:latin typeface="Calibri" panose="020F0502020204030204" pitchFamily="34" charset="0"/>
-                </a:rPr>
-                <a:t>accordingly </a:t>
+                <a:t>RTx Controller adjusts mechanical position accordingly </a:t>
               </a:r>
               <a:endParaRPr lang="en-US" sz="3600" dirty="0">
                 <a:solidFill>
@@ -6034,23 +5664,8 @@
                   </a:solidFill>
                   <a:latin typeface="Calibri" panose="020F0502020204030204" pitchFamily="34" charset="0"/>
                 </a:rPr>
-                <a:t>Emergency </a:t>
+                <a:t>Emergency Stop</a:t>
               </a:r>
-              <a:r>
-                <a:rPr lang="en-US" sz="3600" b="1" dirty="0" smtClean="0">
-                  <a:solidFill>
-                    <a:schemeClr val="tx1"/>
-                  </a:solidFill>
-                  <a:latin typeface="Calibri" panose="020F0502020204030204" pitchFamily="34" charset="0"/>
-                </a:rPr>
-                <a:t>Stop</a:t>
-              </a:r>
-              <a:endParaRPr lang="en-US" sz="3600" b="1" dirty="0" smtClean="0">
-                <a:solidFill>
-                  <a:schemeClr val="tx1"/>
-                </a:solidFill>
-                <a:latin typeface="Calibri" panose="020F0502020204030204" pitchFamily="34" charset="0"/>
-              </a:endParaRPr>
             </a:p>
             <a:p>
               <a:pPr algn="ctr"/>
@@ -6121,7 +5736,7 @@
         <p:spPr>
           <a:xfrm>
             <a:off x="29718000" y="22707600"/>
-            <a:ext cx="13258800" cy="2154398"/>
+            <a:ext cx="13258800" cy="1123346"/>
           </a:xfrm>
           <a:prstGeom prst="rect">
             <a:avLst/>
@@ -6142,11 +5757,17 @@
                 </a:solidFill>
                 <a:latin typeface="Calibri" panose="020F0502020204030204" pitchFamily="34" charset="0"/>
               </a:rPr>
-              <a:t>ROCKET TRACKS CONTROLLER</a:t>
-            </a:r>
-          </a:p>
-          <a:p>
-            <a:pPr algn="ctr"/>
+              <a:t>RTX </a:t>
+            </a:r>
+            <a:r>
+              <a:rPr lang="en-US" sz="6700" b="1" dirty="0" smtClean="0">
+                <a:solidFill>
+                  <a:srgbClr val="6A7F10"/>
+                </a:solidFill>
+                <a:latin typeface="Calibri" panose="020F0502020204030204" pitchFamily="34" charset="0"/>
+              </a:rPr>
+              <a:t>CONTROLLER </a:t>
+            </a:r>
             <a:r>
               <a:rPr lang="en-US" sz="6700" b="1" dirty="0" smtClean="0">
                 <a:solidFill>
@@ -6173,8 +5794,8 @@
         </p:nvGrpSpPr>
         <p:grpSpPr>
           <a:xfrm>
-            <a:off x="29718000" y="24878360"/>
-            <a:ext cx="13258800" cy="7201840"/>
+            <a:off x="29718000" y="23942658"/>
+            <a:ext cx="13258800" cy="8137542"/>
             <a:chOff x="29718000" y="24725960"/>
             <a:chExt cx="13258800" cy="7201840"/>
           </a:xfrm>
@@ -6244,7 +5865,7 @@
             <p:nvPr/>
           </p:nvPicPr>
           <p:blipFill>
-            <a:blip r:embed="rId13" cstate="print"/>
+            <a:blip r:embed="rId12" cstate="print"/>
             <a:stretch>
               <a:fillRect/>
             </a:stretch>
@@ -6300,7 +5921,7 @@
           <p:nvPr/>
         </p:nvPicPr>
         <p:blipFill>
-          <a:blip r:embed="rId14" cstate="print"/>
+          <a:blip r:embed="rId13" cstate="print"/>
           <a:srcRect t="25899" b="20781"/>
           <a:stretch>
             <a:fillRect/>
@@ -6308,14 +5929,16 @@
         </p:blipFill>
         <p:spPr bwMode="auto">
           <a:xfrm>
-            <a:off x="14785848" y="26858592"/>
-            <a:ext cx="14474952" cy="5145408"/>
+            <a:off x="14859000" y="26858592"/>
+            <a:ext cx="14170153" cy="5221608"/>
           </a:xfrm>
           <a:prstGeom prst="roundRect">
-            <a:avLst/>
+            <a:avLst>
+              <a:gd name="adj" fmla="val 6945"/>
+            </a:avLst>
           </a:prstGeom>
           <a:noFill/>
-          <a:ln w="101600">
+          <a:ln w="76200">
             <a:solidFill>
               <a:srgbClr val="6A7F10"/>
             </a:solidFill>
@@ -6388,6 +6011,102 @@
           </a:fontRef>
         </p:style>
       </p:cxnSp>
+      <p:sp>
+        <p:nvSpPr>
+          <p:cNvPr id="61" name="Rounded Rectangle 60"/>
+          <p:cNvSpPr/>
+          <p:nvPr/>
+        </p:nvSpPr>
+        <p:spPr>
+          <a:xfrm>
+            <a:off x="14859000" y="6787174"/>
+            <a:ext cx="14170152" cy="19654226"/>
+          </a:xfrm>
+          <a:prstGeom prst="roundRect">
+            <a:avLst>
+              <a:gd name="adj" fmla="val 3945"/>
+            </a:avLst>
+          </a:prstGeom>
+          <a:noFill/>
+          <a:ln w="76200" cap="sq">
+            <a:solidFill>
+              <a:srgbClr val="6A7F10"/>
+            </a:solidFill>
+            <a:miter lim="800000"/>
+          </a:ln>
+          <a:effectLst/>
+        </p:spPr>
+        <p:style>
+          <a:lnRef idx="2">
+            <a:schemeClr val="accent1">
+              <a:shade val="50000"/>
+            </a:schemeClr>
+          </a:lnRef>
+          <a:fillRef idx="1">
+            <a:schemeClr val="accent1"/>
+          </a:fillRef>
+          <a:effectRef idx="0">
+            <a:schemeClr val="accent1"/>
+          </a:effectRef>
+          <a:fontRef idx="minor">
+            <a:schemeClr val="lt1"/>
+          </a:fontRef>
+        </p:style>
+        <p:txBody>
+          <a:bodyPr lIns="457200" rIns="457200" rtlCol="0" anchor="ctr"/>
+          <a:lstStyle/>
+          <a:p>
+            <a:pPr algn="ctr"/>
+            <a:endParaRPr lang="en-US" sz="3600" dirty="0">
+              <a:solidFill>
+                <a:schemeClr val="tx1"/>
+              </a:solidFill>
+              <a:latin typeface="Calibri" panose="020F0502020204030204" pitchFamily="34" charset="0"/>
+            </a:endParaRPr>
+          </a:p>
+        </p:txBody>
+      </p:sp>
+      <p:pic>
+        <p:nvPicPr>
+          <p:cNvPr id="6" name="Picture 2" descr="C:\Users\Robin\Projects\rocket-tracks\Documentation\poster\SLA-Logo-7-23.jpg"/>
+          <p:cNvPicPr>
+            <a:picLocks noChangeAspect="1" noChangeArrowheads="1"/>
+          </p:cNvPicPr>
+          <p:nvPr/>
+        </p:nvPicPr>
+        <p:blipFill>
+          <a:blip r:embed="rId14">
+            <a:extLst>
+              <a:ext uri="{28A0092B-C50C-407E-A947-70E740481C1C}">
+                <a14:useLocalDpi xmlns:a14="http://schemas.microsoft.com/office/drawing/2010/main" val="0"/>
+              </a:ext>
+            </a:extLst>
+          </a:blip>
+          <a:srcRect/>
+          <a:stretch>
+            <a:fillRect/>
+          </a:stretch>
+        </p:blipFill>
+        <p:spPr bwMode="auto">
+          <a:xfrm>
+            <a:off x="22172569" y="20411375"/>
+            <a:ext cx="4422861" cy="1236251"/>
+          </a:xfrm>
+          <a:prstGeom prst="rect">
+            <a:avLst/>
+          </a:prstGeom>
+          <a:noFill/>
+          <a:extLst>
+            <a:ext uri="{909E8E84-426E-40DD-AFC4-6F175D3DCCD1}">
+              <a14:hiddenFill xmlns:a14="http://schemas.microsoft.com/office/drawing/2010/main">
+                <a:solidFill>
+                  <a:srgbClr val="FFFFFF"/>
+                </a:solidFill>
+              </a14:hiddenFill>
+            </a:ext>
+          </a:extLst>
+        </p:spPr>
+      </p:pic>
     </p:spTree>
   </p:cSld>
   <p:clrMapOvr>
